--- a/files/slides.pptx
+++ b/files/slides.pptx
@@ -9,6 +9,9 @@
     <p:sldId id="258" r:id="rId3"/>
     <p:sldId id="257" r:id="rId4"/>
     <p:sldId id="259" r:id="rId5"/>
+    <p:sldId id="262" r:id="rId6"/>
+    <p:sldId id="260" r:id="rId7"/>
+    <p:sldId id="261" r:id="rId8"/>
   </p:sldIdLst>
   <p:sldSz cx="12192000" cy="6858000"/>
   <p:notesSz cx="6858000" cy="9144000"/>
@@ -107,7 +110,2329 @@
       </a:defRPr>
     </a:lvl9pPr>
   </p:defaultTextStyle>
+  <p:extLst>
+    <p:ext uri="{EFAFB233-063F-42B5-8137-9DF3F51BA10A}">
+      <p15:sldGuideLst xmlns:p15="http://schemas.microsoft.com/office/powerpoint/2012/main"/>
+    </p:ext>
+  </p:extLst>
 </p:presentation>
+</file>
+
+<file path=ppt/diagrams/colors1.xml><?xml version="1.0" encoding="utf-8"?>
+<dgm:colorsDef xmlns:dgm="http://schemas.openxmlformats.org/drawingml/2006/diagram" xmlns:a="http://schemas.openxmlformats.org/drawingml/2006/main" uniqueId="urn:microsoft.com/office/officeart/2005/8/colors/colorful5">
+  <dgm:title val=""/>
+  <dgm:desc val=""/>
+  <dgm:catLst>
+    <dgm:cat type="colorful" pri="10500"/>
+  </dgm:catLst>
+  <dgm:styleLbl name="node0">
+    <dgm:fillClrLst meth="repeat">
+      <a:schemeClr val="accent4"/>
+    </dgm:fillClrLst>
+    <dgm:linClrLst meth="repeat">
+      <a:schemeClr val="lt1"/>
+    </dgm:linClrLst>
+    <dgm:effectClrLst/>
+    <dgm:txLinClrLst/>
+    <dgm:txFillClrLst/>
+    <dgm:txEffectClrLst/>
+  </dgm:styleLbl>
+  <dgm:styleLbl name="node1">
+    <dgm:fillClrLst>
+      <a:schemeClr val="accent5"/>
+      <a:schemeClr val="accent6"/>
+    </dgm:fillClrLst>
+    <dgm:linClrLst meth="repeat">
+      <a:schemeClr val="lt1"/>
+    </dgm:linClrLst>
+    <dgm:effectClrLst/>
+    <dgm:txLinClrLst/>
+    <dgm:txFillClrLst/>
+    <dgm:txEffectClrLst/>
+  </dgm:styleLbl>
+  <dgm:styleLbl name="alignNode1">
+    <dgm:fillClrLst>
+      <a:schemeClr val="accent5"/>
+      <a:schemeClr val="accent6"/>
+    </dgm:fillClrLst>
+    <dgm:linClrLst>
+      <a:schemeClr val="accent5"/>
+      <a:schemeClr val="accent6"/>
+    </dgm:linClrLst>
+    <dgm:effectClrLst/>
+    <dgm:txLinClrLst/>
+    <dgm:txFillClrLst/>
+    <dgm:txEffectClrLst/>
+  </dgm:styleLbl>
+  <dgm:styleLbl name="lnNode1">
+    <dgm:fillClrLst>
+      <a:schemeClr val="accent5"/>
+      <a:schemeClr val="accent6"/>
+    </dgm:fillClrLst>
+    <dgm:linClrLst meth="repeat">
+      <a:schemeClr val="lt1"/>
+    </dgm:linClrLst>
+    <dgm:effectClrLst/>
+    <dgm:txLinClrLst/>
+    <dgm:txFillClrLst/>
+    <dgm:txEffectClrLst/>
+  </dgm:styleLbl>
+  <dgm:styleLbl name="vennNode1">
+    <dgm:fillClrLst>
+      <a:schemeClr val="accent5">
+        <a:alpha val="50000"/>
+      </a:schemeClr>
+      <a:schemeClr val="accent6">
+        <a:alpha val="50000"/>
+      </a:schemeClr>
+    </dgm:fillClrLst>
+    <dgm:linClrLst meth="repeat">
+      <a:schemeClr val="lt1"/>
+    </dgm:linClrLst>
+    <dgm:effectClrLst/>
+    <dgm:txLinClrLst/>
+    <dgm:txFillClrLst/>
+    <dgm:txEffectClrLst/>
+  </dgm:styleLbl>
+  <dgm:styleLbl name="node2">
+    <dgm:fillClrLst>
+      <a:schemeClr val="accent6"/>
+    </dgm:fillClrLst>
+    <dgm:linClrLst meth="repeat">
+      <a:schemeClr val="lt1"/>
+    </dgm:linClrLst>
+    <dgm:effectClrLst/>
+    <dgm:txLinClrLst/>
+    <dgm:txFillClrLst/>
+    <dgm:txEffectClrLst/>
+  </dgm:styleLbl>
+  <dgm:styleLbl name="node3">
+    <dgm:fillClrLst>
+      <a:schemeClr val="accent1"/>
+    </dgm:fillClrLst>
+    <dgm:linClrLst meth="repeat">
+      <a:schemeClr val="lt1"/>
+    </dgm:linClrLst>
+    <dgm:effectClrLst/>
+    <dgm:txLinClrLst/>
+    <dgm:txFillClrLst/>
+    <dgm:txEffectClrLst/>
+  </dgm:styleLbl>
+  <dgm:styleLbl name="node4">
+    <dgm:fillClrLst>
+      <a:schemeClr val="accent2"/>
+    </dgm:fillClrLst>
+    <dgm:linClrLst meth="repeat">
+      <a:schemeClr val="lt1"/>
+    </dgm:linClrLst>
+    <dgm:effectClrLst/>
+    <dgm:txLinClrLst/>
+    <dgm:txFillClrLst/>
+    <dgm:txEffectClrLst/>
+  </dgm:styleLbl>
+  <dgm:styleLbl name="fgImgPlace1">
+    <dgm:fillClrLst>
+      <a:schemeClr val="accent5">
+        <a:tint val="50000"/>
+      </a:schemeClr>
+      <a:schemeClr val="accent6">
+        <a:tint val="50000"/>
+      </a:schemeClr>
+    </dgm:fillClrLst>
+    <dgm:linClrLst meth="repeat">
+      <a:schemeClr val="lt1"/>
+    </dgm:linClrLst>
+    <dgm:effectClrLst/>
+    <dgm:txLinClrLst/>
+    <dgm:txFillClrLst meth="repeat">
+      <a:schemeClr val="lt1"/>
+    </dgm:txFillClrLst>
+    <dgm:txEffectClrLst/>
+  </dgm:styleLbl>
+  <dgm:styleLbl name="alignImgPlace1">
+    <dgm:fillClrLst>
+      <a:schemeClr val="accent5">
+        <a:tint val="50000"/>
+      </a:schemeClr>
+      <a:schemeClr val="accent6">
+        <a:tint val="20000"/>
+      </a:schemeClr>
+    </dgm:fillClrLst>
+    <dgm:linClrLst meth="repeat">
+      <a:schemeClr val="lt1"/>
+    </dgm:linClrLst>
+    <dgm:effectClrLst/>
+    <dgm:txLinClrLst/>
+    <dgm:txFillClrLst meth="repeat">
+      <a:schemeClr val="lt1"/>
+    </dgm:txFillClrLst>
+    <dgm:txEffectClrLst/>
+  </dgm:styleLbl>
+  <dgm:styleLbl name="bgImgPlace1">
+    <dgm:fillClrLst>
+      <a:schemeClr val="accent5">
+        <a:tint val="50000"/>
+      </a:schemeClr>
+      <a:schemeClr val="accent6">
+        <a:tint val="20000"/>
+      </a:schemeClr>
+    </dgm:fillClrLst>
+    <dgm:linClrLst meth="repeat">
+      <a:schemeClr val="lt1"/>
+    </dgm:linClrLst>
+    <dgm:effectClrLst/>
+    <dgm:txLinClrLst/>
+    <dgm:txFillClrLst meth="repeat">
+      <a:schemeClr val="lt1"/>
+    </dgm:txFillClrLst>
+    <dgm:txEffectClrLst/>
+  </dgm:styleLbl>
+  <dgm:styleLbl name="sibTrans2D1">
+    <dgm:fillClrLst>
+      <a:schemeClr val="accent5"/>
+      <a:schemeClr val="accent6"/>
+    </dgm:fillClrLst>
+    <dgm:linClrLst meth="repeat">
+      <a:schemeClr val="lt1"/>
+    </dgm:linClrLst>
+    <dgm:effectClrLst/>
+    <dgm:txLinClrLst/>
+    <dgm:txFillClrLst/>
+    <dgm:txEffectClrLst/>
+  </dgm:styleLbl>
+  <dgm:styleLbl name="fgSibTrans2D1">
+    <dgm:fillClrLst>
+      <a:schemeClr val="accent5"/>
+      <a:schemeClr val="accent6"/>
+    </dgm:fillClrLst>
+    <dgm:linClrLst meth="repeat">
+      <a:schemeClr val="lt1"/>
+    </dgm:linClrLst>
+    <dgm:effectClrLst/>
+    <dgm:txLinClrLst/>
+    <dgm:txFillClrLst meth="repeat">
+      <a:schemeClr val="lt1"/>
+    </dgm:txFillClrLst>
+    <dgm:txEffectClrLst/>
+  </dgm:styleLbl>
+  <dgm:styleLbl name="bgSibTrans2D1">
+    <dgm:fillClrLst>
+      <a:schemeClr val="accent5"/>
+      <a:schemeClr val="accent6"/>
+    </dgm:fillClrLst>
+    <dgm:linClrLst meth="repeat">
+      <a:schemeClr val="lt1"/>
+    </dgm:linClrLst>
+    <dgm:effectClrLst/>
+    <dgm:txLinClrLst/>
+    <dgm:txFillClrLst meth="repeat">
+      <a:schemeClr val="lt1"/>
+    </dgm:txFillClrLst>
+    <dgm:txEffectClrLst/>
+  </dgm:styleLbl>
+  <dgm:styleLbl name="sibTrans1D1">
+    <dgm:fillClrLst/>
+    <dgm:linClrLst>
+      <a:schemeClr val="accent5"/>
+      <a:schemeClr val="accent6"/>
+    </dgm:linClrLst>
+    <dgm:effectClrLst/>
+    <dgm:txLinClrLst/>
+    <dgm:txFillClrLst meth="repeat">
+      <a:schemeClr val="tx1"/>
+    </dgm:txFillClrLst>
+    <dgm:txEffectClrLst/>
+  </dgm:styleLbl>
+  <dgm:styleLbl name="callout">
+    <dgm:fillClrLst meth="repeat">
+      <a:schemeClr val="accent5"/>
+    </dgm:fillClrLst>
+    <dgm:linClrLst meth="repeat">
+      <a:schemeClr val="accent5">
+        <a:tint val="50000"/>
+      </a:schemeClr>
+    </dgm:linClrLst>
+    <dgm:effectClrLst/>
+    <dgm:txLinClrLst/>
+    <dgm:txFillClrLst meth="repeat">
+      <a:schemeClr val="tx1"/>
+    </dgm:txFillClrLst>
+    <dgm:txEffectClrLst/>
+  </dgm:styleLbl>
+  <dgm:styleLbl name="asst0">
+    <dgm:fillClrLst meth="repeat">
+      <a:schemeClr val="accent5"/>
+    </dgm:fillClrLst>
+    <dgm:linClrLst meth="repeat">
+      <a:schemeClr val="lt1">
+        <a:shade val="80000"/>
+      </a:schemeClr>
+    </dgm:linClrLst>
+    <dgm:effectClrLst/>
+    <dgm:txLinClrLst/>
+    <dgm:txFillClrLst/>
+    <dgm:txEffectClrLst/>
+  </dgm:styleLbl>
+  <dgm:styleLbl name="asst1">
+    <dgm:fillClrLst meth="repeat">
+      <a:schemeClr val="accent6"/>
+    </dgm:fillClrLst>
+    <dgm:linClrLst meth="repeat">
+      <a:schemeClr val="lt1">
+        <a:shade val="80000"/>
+      </a:schemeClr>
+    </dgm:linClrLst>
+    <dgm:effectClrLst/>
+    <dgm:txLinClrLst/>
+    <dgm:txFillClrLst/>
+    <dgm:txEffectClrLst/>
+  </dgm:styleLbl>
+  <dgm:styleLbl name="asst2">
+    <dgm:fillClrLst>
+      <a:schemeClr val="accent1"/>
+    </dgm:fillClrLst>
+    <dgm:linClrLst meth="repeat">
+      <a:schemeClr val="lt1"/>
+    </dgm:linClrLst>
+    <dgm:effectClrLst/>
+    <dgm:txLinClrLst/>
+    <dgm:txFillClrLst/>
+    <dgm:txEffectClrLst/>
+  </dgm:styleLbl>
+  <dgm:styleLbl name="asst3">
+    <dgm:fillClrLst>
+      <a:schemeClr val="accent2"/>
+    </dgm:fillClrLst>
+    <dgm:linClrLst meth="repeat">
+      <a:schemeClr val="lt1"/>
+    </dgm:linClrLst>
+    <dgm:effectClrLst/>
+    <dgm:txLinClrLst/>
+    <dgm:txFillClrLst/>
+    <dgm:txEffectClrLst/>
+  </dgm:styleLbl>
+  <dgm:styleLbl name="asst4">
+    <dgm:fillClrLst>
+      <a:schemeClr val="accent3"/>
+    </dgm:fillClrLst>
+    <dgm:linClrLst meth="repeat">
+      <a:schemeClr val="lt1"/>
+    </dgm:linClrLst>
+    <dgm:effectClrLst/>
+    <dgm:txLinClrLst/>
+    <dgm:txFillClrLst/>
+    <dgm:txEffectClrLst/>
+  </dgm:styleLbl>
+  <dgm:styleLbl name="parChTrans2D1">
+    <dgm:fillClrLst meth="repeat">
+      <a:schemeClr val="accent5"/>
+    </dgm:fillClrLst>
+    <dgm:linClrLst meth="repeat">
+      <a:schemeClr val="lt1"/>
+    </dgm:linClrLst>
+    <dgm:effectClrLst/>
+    <dgm:txLinClrLst/>
+    <dgm:txFillClrLst meth="repeat">
+      <a:schemeClr val="lt1"/>
+    </dgm:txFillClrLst>
+    <dgm:txEffectClrLst/>
+  </dgm:styleLbl>
+  <dgm:styleLbl name="parChTrans2D2">
+    <dgm:fillClrLst meth="repeat">
+      <a:schemeClr val="accent6"/>
+    </dgm:fillClrLst>
+    <dgm:linClrLst meth="repeat">
+      <a:schemeClr val="lt1"/>
+    </dgm:linClrLst>
+    <dgm:effectClrLst/>
+    <dgm:txLinClrLst/>
+    <dgm:txFillClrLst/>
+    <dgm:txEffectClrLst/>
+  </dgm:styleLbl>
+  <dgm:styleLbl name="parChTrans2D3">
+    <dgm:fillClrLst meth="repeat">
+      <a:schemeClr val="accent6"/>
+    </dgm:fillClrLst>
+    <dgm:linClrLst meth="repeat">
+      <a:schemeClr val="lt1"/>
+    </dgm:linClrLst>
+    <dgm:effectClrLst/>
+    <dgm:txLinClrLst/>
+    <dgm:txFillClrLst/>
+    <dgm:txEffectClrLst/>
+  </dgm:styleLbl>
+  <dgm:styleLbl name="parChTrans2D4">
+    <dgm:fillClrLst meth="repeat">
+      <a:schemeClr val="accent1"/>
+    </dgm:fillClrLst>
+    <dgm:linClrLst meth="repeat">
+      <a:schemeClr val="lt1"/>
+    </dgm:linClrLst>
+    <dgm:effectClrLst/>
+    <dgm:txLinClrLst/>
+    <dgm:txFillClrLst meth="repeat">
+      <a:schemeClr val="lt1"/>
+    </dgm:txFillClrLst>
+    <dgm:txEffectClrLst/>
+  </dgm:styleLbl>
+  <dgm:styleLbl name="parChTrans1D1">
+    <dgm:fillClrLst meth="repeat">
+      <a:schemeClr val="accent5"/>
+    </dgm:fillClrLst>
+    <dgm:linClrLst meth="repeat">
+      <a:schemeClr val="accent5"/>
+    </dgm:linClrLst>
+    <dgm:effectClrLst/>
+    <dgm:txLinClrLst/>
+    <dgm:txFillClrLst meth="repeat">
+      <a:schemeClr val="tx1"/>
+    </dgm:txFillClrLst>
+    <dgm:txEffectClrLst/>
+  </dgm:styleLbl>
+  <dgm:styleLbl name="parChTrans1D2">
+    <dgm:fillClrLst meth="repeat">
+      <a:schemeClr val="accent6">
+        <a:tint val="90000"/>
+      </a:schemeClr>
+    </dgm:fillClrLst>
+    <dgm:linClrLst meth="repeat">
+      <a:schemeClr val="accent6"/>
+    </dgm:linClrLst>
+    <dgm:effectClrLst/>
+    <dgm:txLinClrLst/>
+    <dgm:txFillClrLst meth="repeat">
+      <a:schemeClr val="tx1"/>
+    </dgm:txFillClrLst>
+    <dgm:txEffectClrLst/>
+  </dgm:styleLbl>
+  <dgm:styleLbl name="parChTrans1D3">
+    <dgm:fillClrLst meth="repeat">
+      <a:schemeClr val="accent6">
+        <a:tint val="70000"/>
+      </a:schemeClr>
+    </dgm:fillClrLst>
+    <dgm:linClrLst meth="repeat">
+      <a:schemeClr val="accent1"/>
+    </dgm:linClrLst>
+    <dgm:effectClrLst/>
+    <dgm:txLinClrLst/>
+    <dgm:txFillClrLst meth="repeat">
+      <a:schemeClr val="tx1"/>
+    </dgm:txFillClrLst>
+    <dgm:txEffectClrLst/>
+  </dgm:styleLbl>
+  <dgm:styleLbl name="parChTrans1D4">
+    <dgm:fillClrLst meth="repeat">
+      <a:schemeClr val="accent6">
+        <a:tint val="50000"/>
+      </a:schemeClr>
+    </dgm:fillClrLst>
+    <dgm:linClrLst meth="repeat">
+      <a:schemeClr val="accent2"/>
+    </dgm:linClrLst>
+    <dgm:effectClrLst/>
+    <dgm:txLinClrLst/>
+    <dgm:txFillClrLst meth="repeat">
+      <a:schemeClr val="tx1"/>
+    </dgm:txFillClrLst>
+    <dgm:txEffectClrLst/>
+  </dgm:styleLbl>
+  <dgm:styleLbl name="fgAcc1">
+    <dgm:fillClrLst meth="repeat">
+      <a:schemeClr val="lt1">
+        <a:alpha val="90000"/>
+      </a:schemeClr>
+    </dgm:fillClrLst>
+    <dgm:linClrLst>
+      <a:schemeClr val="accent5"/>
+      <a:schemeClr val="accent6"/>
+    </dgm:linClrLst>
+    <dgm:effectClrLst/>
+    <dgm:txLinClrLst/>
+    <dgm:txFillClrLst meth="repeat">
+      <a:schemeClr val="dk1"/>
+    </dgm:txFillClrLst>
+    <dgm:txEffectClrLst/>
+  </dgm:styleLbl>
+  <dgm:styleLbl name="conFgAcc1">
+    <dgm:fillClrLst meth="repeat">
+      <a:schemeClr val="lt1">
+        <a:alpha val="90000"/>
+      </a:schemeClr>
+    </dgm:fillClrLst>
+    <dgm:linClrLst>
+      <a:schemeClr val="accent5"/>
+      <a:schemeClr val="accent6"/>
+    </dgm:linClrLst>
+    <dgm:effectClrLst/>
+    <dgm:txLinClrLst/>
+    <dgm:txFillClrLst meth="repeat">
+      <a:schemeClr val="dk1"/>
+    </dgm:txFillClrLst>
+    <dgm:txEffectClrLst/>
+  </dgm:styleLbl>
+  <dgm:styleLbl name="alignAcc1">
+    <dgm:fillClrLst meth="repeat">
+      <a:schemeClr val="lt1">
+        <a:alpha val="90000"/>
+      </a:schemeClr>
+    </dgm:fillClrLst>
+    <dgm:linClrLst>
+      <a:schemeClr val="accent5"/>
+      <a:schemeClr val="accent6"/>
+    </dgm:linClrLst>
+    <dgm:effectClrLst/>
+    <dgm:txLinClrLst/>
+    <dgm:txFillClrLst meth="repeat">
+      <a:schemeClr val="dk1"/>
+    </dgm:txFillClrLst>
+    <dgm:txEffectClrLst/>
+  </dgm:styleLbl>
+  <dgm:styleLbl name="trAlignAcc1">
+    <dgm:fillClrLst meth="repeat">
+      <a:schemeClr val="lt1">
+        <a:alpha val="40000"/>
+      </a:schemeClr>
+    </dgm:fillClrLst>
+    <dgm:linClrLst meth="repeat">
+      <a:schemeClr val="accent5"/>
+    </dgm:linClrLst>
+    <dgm:effectClrLst/>
+    <dgm:txLinClrLst/>
+    <dgm:txFillClrLst meth="repeat">
+      <a:schemeClr val="dk1"/>
+    </dgm:txFillClrLst>
+    <dgm:txEffectClrLst/>
+  </dgm:styleLbl>
+  <dgm:styleLbl name="bgAcc1">
+    <dgm:fillClrLst meth="repeat">
+      <a:schemeClr val="lt1">
+        <a:alpha val="90000"/>
+      </a:schemeClr>
+    </dgm:fillClrLst>
+    <dgm:linClrLst>
+      <a:schemeClr val="accent5"/>
+      <a:schemeClr val="accent6"/>
+    </dgm:linClrLst>
+    <dgm:effectClrLst/>
+    <dgm:txLinClrLst/>
+    <dgm:txFillClrLst meth="repeat">
+      <a:schemeClr val="dk1"/>
+    </dgm:txFillClrLst>
+    <dgm:txEffectClrLst/>
+  </dgm:styleLbl>
+  <dgm:styleLbl name="solidFgAcc1">
+    <dgm:fillClrLst meth="repeat">
+      <a:schemeClr val="lt1"/>
+    </dgm:fillClrLst>
+    <dgm:linClrLst>
+      <a:schemeClr val="accent5"/>
+      <a:schemeClr val="accent6"/>
+    </dgm:linClrLst>
+    <dgm:effectClrLst/>
+    <dgm:txLinClrLst/>
+    <dgm:txFillClrLst meth="repeat">
+      <a:schemeClr val="dk1"/>
+    </dgm:txFillClrLst>
+    <dgm:txEffectClrLst/>
+  </dgm:styleLbl>
+  <dgm:styleLbl name="solidAlignAcc1">
+    <dgm:fillClrLst meth="repeat">
+      <a:schemeClr val="lt1"/>
+    </dgm:fillClrLst>
+    <dgm:linClrLst>
+      <a:schemeClr val="accent5"/>
+      <a:schemeClr val="accent6"/>
+    </dgm:linClrLst>
+    <dgm:effectClrLst/>
+    <dgm:txLinClrLst/>
+    <dgm:txFillClrLst meth="repeat">
+      <a:schemeClr val="dk1"/>
+    </dgm:txFillClrLst>
+    <dgm:txEffectClrLst/>
+  </dgm:styleLbl>
+  <dgm:styleLbl name="solidBgAcc1">
+    <dgm:fillClrLst meth="repeat">
+      <a:schemeClr val="lt1"/>
+    </dgm:fillClrLst>
+    <dgm:linClrLst>
+      <a:schemeClr val="accent5"/>
+      <a:schemeClr val="accent6"/>
+    </dgm:linClrLst>
+    <dgm:effectClrLst/>
+    <dgm:txLinClrLst/>
+    <dgm:txFillClrLst meth="repeat">
+      <a:schemeClr val="dk1"/>
+    </dgm:txFillClrLst>
+    <dgm:txEffectClrLst/>
+  </dgm:styleLbl>
+  <dgm:styleLbl name="fgAccFollowNode1">
+    <dgm:fillClrLst>
+      <a:schemeClr val="accent5">
+        <a:tint val="40000"/>
+        <a:alpha val="90000"/>
+      </a:schemeClr>
+      <a:schemeClr val="accent6">
+        <a:tint val="40000"/>
+        <a:alpha val="90000"/>
+      </a:schemeClr>
+    </dgm:fillClrLst>
+    <dgm:linClrLst>
+      <a:schemeClr val="accent5">
+        <a:tint val="40000"/>
+        <a:alpha val="90000"/>
+      </a:schemeClr>
+      <a:schemeClr val="accent5">
+        <a:tint val="40000"/>
+        <a:alpha val="90000"/>
+      </a:schemeClr>
+    </dgm:linClrLst>
+    <dgm:effectClrLst/>
+    <dgm:txLinClrLst/>
+    <dgm:txFillClrLst meth="repeat">
+      <a:schemeClr val="dk1"/>
+    </dgm:txFillClrLst>
+    <dgm:txEffectClrLst/>
+  </dgm:styleLbl>
+  <dgm:styleLbl name="alignAccFollowNode1">
+    <dgm:fillClrLst>
+      <a:schemeClr val="accent5">
+        <a:tint val="40000"/>
+        <a:alpha val="90000"/>
+      </a:schemeClr>
+      <a:schemeClr val="accent6">
+        <a:tint val="40000"/>
+        <a:alpha val="90000"/>
+      </a:schemeClr>
+    </dgm:fillClrLst>
+    <dgm:linClrLst>
+      <a:schemeClr val="accent5">
+        <a:tint val="40000"/>
+        <a:alpha val="90000"/>
+      </a:schemeClr>
+      <a:schemeClr val="accent6">
+        <a:tint val="40000"/>
+        <a:alpha val="90000"/>
+      </a:schemeClr>
+    </dgm:linClrLst>
+    <dgm:effectClrLst/>
+    <dgm:txLinClrLst/>
+    <dgm:txFillClrLst meth="repeat">
+      <a:schemeClr val="dk1"/>
+    </dgm:txFillClrLst>
+    <dgm:txEffectClrLst/>
+  </dgm:styleLbl>
+  <dgm:styleLbl name="bgAccFollowNode1">
+    <dgm:fillClrLst>
+      <a:schemeClr val="accent5">
+        <a:tint val="40000"/>
+        <a:alpha val="90000"/>
+      </a:schemeClr>
+      <a:schemeClr val="accent6">
+        <a:tint val="40000"/>
+        <a:alpha val="90000"/>
+      </a:schemeClr>
+    </dgm:fillClrLst>
+    <dgm:linClrLst>
+      <a:schemeClr val="accent5">
+        <a:tint val="40000"/>
+        <a:alpha val="90000"/>
+      </a:schemeClr>
+      <a:schemeClr val="accent6">
+        <a:tint val="40000"/>
+        <a:alpha val="90000"/>
+      </a:schemeClr>
+    </dgm:linClrLst>
+    <dgm:effectClrLst/>
+    <dgm:txLinClrLst/>
+    <dgm:txFillClrLst meth="repeat">
+      <a:schemeClr val="dk1"/>
+    </dgm:txFillClrLst>
+    <dgm:txEffectClrLst/>
+  </dgm:styleLbl>
+  <dgm:styleLbl name="fgAcc0">
+    <dgm:fillClrLst meth="repeat">
+      <a:schemeClr val="lt1">
+        <a:alpha val="90000"/>
+      </a:schemeClr>
+    </dgm:fillClrLst>
+    <dgm:linClrLst>
+      <a:schemeClr val="accent4"/>
+    </dgm:linClrLst>
+    <dgm:effectClrLst/>
+    <dgm:txLinClrLst/>
+    <dgm:txFillClrLst meth="repeat">
+      <a:schemeClr val="dk1"/>
+    </dgm:txFillClrLst>
+    <dgm:txEffectClrLst/>
+  </dgm:styleLbl>
+  <dgm:styleLbl name="fgAcc2">
+    <dgm:fillClrLst meth="repeat">
+      <a:schemeClr val="lt1">
+        <a:alpha val="90000"/>
+      </a:schemeClr>
+    </dgm:fillClrLst>
+    <dgm:linClrLst>
+      <a:schemeClr val="accent6"/>
+    </dgm:linClrLst>
+    <dgm:effectClrLst/>
+    <dgm:txLinClrLst/>
+    <dgm:txFillClrLst meth="repeat">
+      <a:schemeClr val="dk1"/>
+    </dgm:txFillClrLst>
+    <dgm:txEffectClrLst/>
+  </dgm:styleLbl>
+  <dgm:styleLbl name="fgAcc3">
+    <dgm:fillClrLst meth="repeat">
+      <a:schemeClr val="lt1">
+        <a:alpha val="90000"/>
+      </a:schemeClr>
+    </dgm:fillClrLst>
+    <dgm:linClrLst>
+      <a:schemeClr val="accent1"/>
+    </dgm:linClrLst>
+    <dgm:effectClrLst/>
+    <dgm:txLinClrLst/>
+    <dgm:txFillClrLst meth="repeat">
+      <a:schemeClr val="dk1"/>
+    </dgm:txFillClrLst>
+    <dgm:txEffectClrLst/>
+  </dgm:styleLbl>
+  <dgm:styleLbl name="fgAcc4">
+    <dgm:fillClrLst meth="repeat">
+      <a:schemeClr val="lt1">
+        <a:alpha val="90000"/>
+      </a:schemeClr>
+    </dgm:fillClrLst>
+    <dgm:linClrLst>
+      <a:schemeClr val="accent2"/>
+    </dgm:linClrLst>
+    <dgm:effectClrLst/>
+    <dgm:txLinClrLst/>
+    <dgm:txFillClrLst meth="repeat">
+      <a:schemeClr val="dk1"/>
+    </dgm:txFillClrLst>
+    <dgm:txEffectClrLst/>
+  </dgm:styleLbl>
+  <dgm:styleLbl name="bgShp">
+    <dgm:fillClrLst meth="repeat">
+      <a:schemeClr val="accent5">
+        <a:tint val="40000"/>
+      </a:schemeClr>
+    </dgm:fillClrLst>
+    <dgm:linClrLst meth="repeat">
+      <a:schemeClr val="dk1"/>
+    </dgm:linClrLst>
+    <dgm:effectClrLst/>
+    <dgm:txLinClrLst/>
+    <dgm:txFillClrLst meth="repeat">
+      <a:schemeClr val="dk1"/>
+    </dgm:txFillClrLst>
+    <dgm:txEffectClrLst/>
+  </dgm:styleLbl>
+  <dgm:styleLbl name="dkBgShp">
+    <dgm:fillClrLst meth="repeat">
+      <a:schemeClr val="accent5">
+        <a:shade val="90000"/>
+      </a:schemeClr>
+    </dgm:fillClrLst>
+    <dgm:linClrLst meth="repeat">
+      <a:schemeClr val="dk1"/>
+    </dgm:linClrLst>
+    <dgm:effectClrLst/>
+    <dgm:txLinClrLst/>
+    <dgm:txFillClrLst meth="repeat">
+      <a:schemeClr val="lt1"/>
+    </dgm:txFillClrLst>
+    <dgm:txEffectClrLst/>
+  </dgm:styleLbl>
+  <dgm:styleLbl name="trBgShp">
+    <dgm:fillClrLst meth="repeat">
+      <a:schemeClr val="accent5">
+        <a:tint val="50000"/>
+        <a:alpha val="40000"/>
+      </a:schemeClr>
+    </dgm:fillClrLst>
+    <dgm:linClrLst meth="repeat">
+      <a:schemeClr val="accent5"/>
+    </dgm:linClrLst>
+    <dgm:effectClrLst/>
+    <dgm:txLinClrLst/>
+    <dgm:txFillClrLst meth="repeat">
+      <a:schemeClr val="lt1"/>
+    </dgm:txFillClrLst>
+    <dgm:txEffectClrLst/>
+  </dgm:styleLbl>
+  <dgm:styleLbl name="fgShp">
+    <dgm:fillClrLst meth="repeat">
+      <a:schemeClr val="accent5">
+        <a:tint val="40000"/>
+      </a:schemeClr>
+    </dgm:fillClrLst>
+    <dgm:linClrLst meth="repeat">
+      <a:schemeClr val="lt1"/>
+    </dgm:linClrLst>
+    <dgm:effectClrLst/>
+    <dgm:txLinClrLst/>
+    <dgm:txFillClrLst meth="repeat">
+      <a:schemeClr val="dk1"/>
+    </dgm:txFillClrLst>
+    <dgm:txEffectClrLst/>
+  </dgm:styleLbl>
+  <dgm:styleLbl name="revTx">
+    <dgm:fillClrLst meth="repeat">
+      <a:schemeClr val="lt1">
+        <a:alpha val="0"/>
+      </a:schemeClr>
+    </dgm:fillClrLst>
+    <dgm:linClrLst meth="repeat">
+      <a:schemeClr val="dk1">
+        <a:alpha val="0"/>
+      </a:schemeClr>
+    </dgm:linClrLst>
+    <dgm:effectClrLst/>
+    <dgm:txLinClrLst/>
+    <dgm:txFillClrLst meth="repeat">
+      <a:schemeClr val="tx1"/>
+    </dgm:txFillClrLst>
+    <dgm:txEffectClrLst/>
+  </dgm:styleLbl>
+</dgm:colorsDef>
+</file>
+
+<file path=ppt/diagrams/data1.xml><?xml version="1.0" encoding="utf-8"?>
+<dgm:dataModel xmlns:dgm="http://schemas.openxmlformats.org/drawingml/2006/diagram" xmlns:a="http://schemas.openxmlformats.org/drawingml/2006/main">
+  <dgm:ptLst>
+    <dgm:pt modelId="{8985B209-FBD5-4B75-A0B2-68CE2094BE0E}" type="doc">
+      <dgm:prSet loTypeId="urn:microsoft.com/office/officeart/2005/8/layout/vList2" loCatId="list" qsTypeId="urn:microsoft.com/office/officeart/2005/8/quickstyle/simple1" qsCatId="simple" csTypeId="urn:microsoft.com/office/officeart/2005/8/colors/colorful5" csCatId="colorful" phldr="1"/>
+      <dgm:spPr/>
+      <dgm:t>
+        <a:bodyPr/>
+        <a:lstStyle/>
+        <a:p>
+          <a:endParaRPr lang="en-US"/>
+        </a:p>
+      </dgm:t>
+    </dgm:pt>
+    <dgm:pt modelId="{750609ED-68C8-4354-9CBF-79A5F8536F58}">
+      <dgm:prSet custT="1"/>
+      <dgm:spPr>
+        <a:solidFill>
+          <a:schemeClr val="bg1"/>
+        </a:solidFill>
+        <a:ln>
+          <a:noFill/>
+        </a:ln>
+      </dgm:spPr>
+      <dgm:t>
+        <a:bodyPr/>
+        <a:lstStyle/>
+        <a:p>
+          <a:r>
+            <a:rPr lang="en-US" sz="7200" dirty="0" err="1">
+              <a:solidFill>
+                <a:schemeClr val="tx1"/>
+              </a:solidFill>
+              <a:latin typeface="+mn-lt"/>
+              <a:ea typeface="Helvetica Neue" panose="02000503000000020004" pitchFamily="2" charset="0"/>
+              <a:cs typeface="Helvetica Neue" panose="02000503000000020004" pitchFamily="2" charset="0"/>
+            </a:rPr>
+            <a:t>জিনোমিক্সের</a:t>
+          </a:r>
+          <a:r>
+            <a:rPr lang="bn-IN" sz="7200" dirty="0">
+              <a:solidFill>
+                <a:schemeClr val="tx1"/>
+              </a:solidFill>
+              <a:latin typeface="+mn-lt"/>
+              <a:ea typeface="Helvetica Neue" panose="02000503000000020004" pitchFamily="2" charset="0"/>
+            </a:rPr>
+            <a:t> জন্য </a:t>
+          </a:r>
+          <a:endParaRPr lang="en-CA" sz="7200" dirty="0">
+            <a:solidFill>
+              <a:schemeClr val="tx1"/>
+            </a:solidFill>
+            <a:latin typeface="+mn-lt"/>
+            <a:ea typeface="Helvetica Neue" panose="02000503000000020004" pitchFamily="2" charset="0"/>
+            <a:cs typeface="Helvetica Neue" panose="02000503000000020004" pitchFamily="2" charset="0"/>
+          </a:endParaRPr>
+        </a:p>
+        <a:p>
+          <a:r>
+            <a:rPr lang="en-US" sz="7200" dirty="0" err="1">
+              <a:solidFill>
+                <a:schemeClr val="tx1"/>
+              </a:solidFill>
+              <a:latin typeface="+mn-lt"/>
+              <a:ea typeface="Helvetica Neue" panose="02000503000000020004" pitchFamily="2" charset="0"/>
+              <a:cs typeface="Helvetica Neue" panose="02000503000000020004" pitchFamily="2" charset="0"/>
+            </a:rPr>
+            <a:t>বাংলায়</a:t>
+          </a:r>
+          <a:r>
+            <a:rPr lang="bn-IN" sz="7200" dirty="0">
+              <a:solidFill>
+                <a:schemeClr val="tx1"/>
+              </a:solidFill>
+              <a:latin typeface="+mn-lt"/>
+              <a:ea typeface="Helvetica Neue" panose="02000503000000020004" pitchFamily="2" charset="0"/>
+            </a:rPr>
+            <a:t> </a:t>
+          </a:r>
+          <a:r>
+            <a:rPr lang="bn-IN" sz="8000" dirty="0">
+              <a:solidFill>
+                <a:schemeClr val="tx1"/>
+              </a:solidFill>
+              <a:latin typeface="+mn-lt"/>
+              <a:ea typeface="Helvetica Neue" panose="02000503000000020004" pitchFamily="2" charset="0"/>
+            </a:rPr>
+            <a:t>লিনাক্স</a:t>
+          </a:r>
+          <a:r>
+            <a:rPr lang="bn-IN" sz="7200" dirty="0">
+              <a:solidFill>
+                <a:schemeClr val="tx1"/>
+              </a:solidFill>
+              <a:latin typeface="+mn-lt"/>
+              <a:ea typeface="Helvetica Neue" panose="02000503000000020004" pitchFamily="2" charset="0"/>
+            </a:rPr>
+            <a:t> কমান্ড </a:t>
+          </a:r>
+          <a:endParaRPr lang="en-US" sz="7200" dirty="0">
+            <a:solidFill>
+              <a:schemeClr val="tx1"/>
+            </a:solidFill>
+            <a:latin typeface="+mn-lt"/>
+            <a:ea typeface="Helvetica Neue" panose="02000503000000020004" pitchFamily="2" charset="0"/>
+            <a:cs typeface="Helvetica Neue" panose="02000503000000020004" pitchFamily="2" charset="0"/>
+          </a:endParaRPr>
+        </a:p>
+      </dgm:t>
+    </dgm:pt>
+    <dgm:pt modelId="{8588AD7E-1979-49FA-BAE7-9BE2A2F2E050}" type="parTrans" cxnId="{5AB31DCD-67E0-43E3-A8D3-C156F35D8655}">
+      <dgm:prSet/>
+      <dgm:spPr/>
+      <dgm:t>
+        <a:bodyPr/>
+        <a:lstStyle/>
+        <a:p>
+          <a:endParaRPr lang="en-US"/>
+        </a:p>
+      </dgm:t>
+    </dgm:pt>
+    <dgm:pt modelId="{B7AFC715-61D6-4BA0-AEF5-B8EBBC6EA006}" type="sibTrans" cxnId="{5AB31DCD-67E0-43E3-A8D3-C156F35D8655}">
+      <dgm:prSet/>
+      <dgm:spPr/>
+      <dgm:t>
+        <a:bodyPr/>
+        <a:lstStyle/>
+        <a:p>
+          <a:endParaRPr lang="en-US"/>
+        </a:p>
+      </dgm:t>
+    </dgm:pt>
+    <dgm:pt modelId="{5F04790D-BDF8-B64C-AA01-137F82847191}" type="pres">
+      <dgm:prSet presAssocID="{8985B209-FBD5-4B75-A0B2-68CE2094BE0E}" presName="linear" presStyleCnt="0">
+        <dgm:presLayoutVars>
+          <dgm:animLvl val="lvl"/>
+          <dgm:resizeHandles val="exact"/>
+        </dgm:presLayoutVars>
+      </dgm:prSet>
+      <dgm:spPr/>
+    </dgm:pt>
+    <dgm:pt modelId="{F5F4EDBB-78EC-FE4C-83D2-7DC88A30AC8E}" type="pres">
+      <dgm:prSet presAssocID="{750609ED-68C8-4354-9CBF-79A5F8536F58}" presName="parentText" presStyleLbl="node1" presStyleIdx="0" presStyleCnt="1">
+        <dgm:presLayoutVars>
+          <dgm:chMax val="0"/>
+          <dgm:bulletEnabled val="1"/>
+        </dgm:presLayoutVars>
+      </dgm:prSet>
+      <dgm:spPr/>
+    </dgm:pt>
+  </dgm:ptLst>
+  <dgm:cxnLst>
+    <dgm:cxn modelId="{41409CCB-7BBB-9141-9A60-8A22E4E8F9F1}" type="presOf" srcId="{750609ED-68C8-4354-9CBF-79A5F8536F58}" destId="{F5F4EDBB-78EC-FE4C-83D2-7DC88A30AC8E}" srcOrd="0" destOrd="0" presId="urn:microsoft.com/office/officeart/2005/8/layout/vList2"/>
+    <dgm:cxn modelId="{5AB31DCD-67E0-43E3-A8D3-C156F35D8655}" srcId="{8985B209-FBD5-4B75-A0B2-68CE2094BE0E}" destId="{750609ED-68C8-4354-9CBF-79A5F8536F58}" srcOrd="0" destOrd="0" parTransId="{8588AD7E-1979-49FA-BAE7-9BE2A2F2E050}" sibTransId="{B7AFC715-61D6-4BA0-AEF5-B8EBBC6EA006}"/>
+    <dgm:cxn modelId="{DB41DFF9-0F47-634D-A88B-123E65048419}" type="presOf" srcId="{8985B209-FBD5-4B75-A0B2-68CE2094BE0E}" destId="{5F04790D-BDF8-B64C-AA01-137F82847191}" srcOrd="0" destOrd="0" presId="urn:microsoft.com/office/officeart/2005/8/layout/vList2"/>
+    <dgm:cxn modelId="{0B0356E7-0FA0-1344-873A-2C14639A6EAC}" type="presParOf" srcId="{5F04790D-BDF8-B64C-AA01-137F82847191}" destId="{F5F4EDBB-78EC-FE4C-83D2-7DC88A30AC8E}" srcOrd="0" destOrd="0" presId="urn:microsoft.com/office/officeart/2005/8/layout/vList2"/>
+  </dgm:cxnLst>
+  <dgm:bg/>
+  <dgm:whole/>
+  <dgm:extLst>
+    <a:ext uri="http://schemas.microsoft.com/office/drawing/2008/diagram">
+      <dsp:dataModelExt xmlns:dsp="http://schemas.microsoft.com/office/drawing/2008/diagram" relId="rId6" minVer="http://schemas.openxmlformats.org/drawingml/2006/diagram"/>
+    </a:ext>
+  </dgm:extLst>
+</dgm:dataModel>
+</file>
+
+<file path=ppt/diagrams/drawing1.xml><?xml version="1.0" encoding="utf-8"?>
+<dsp:drawing xmlns:dgm="http://schemas.openxmlformats.org/drawingml/2006/diagram" xmlns:dsp="http://schemas.microsoft.com/office/drawing/2008/diagram" xmlns:a="http://schemas.openxmlformats.org/drawingml/2006/main">
+  <dsp:spTree>
+    <dsp:nvGrpSpPr>
+      <dsp:cNvPr id="0" name=""/>
+      <dsp:cNvGrpSpPr/>
+    </dsp:nvGrpSpPr>
+    <dsp:grpSpPr/>
+    <dsp:sp modelId="{F5F4EDBB-78EC-FE4C-83D2-7DC88A30AC8E}">
+      <dsp:nvSpPr>
+        <dsp:cNvPr id="0" name=""/>
+        <dsp:cNvSpPr/>
+      </dsp:nvSpPr>
+      <dsp:spPr>
+        <a:xfrm>
+          <a:off x="0" y="846787"/>
+          <a:ext cx="9544417" cy="3878550"/>
+        </a:xfrm>
+        <a:prstGeom prst="roundRect">
+          <a:avLst/>
+        </a:prstGeom>
+        <a:solidFill>
+          <a:schemeClr val="bg1"/>
+        </a:solidFill>
+        <a:ln w="12700" cap="flat" cmpd="sng" algn="ctr">
+          <a:noFill/>
+          <a:prstDash val="solid"/>
+          <a:miter lim="800000"/>
+        </a:ln>
+        <a:effectLst/>
+      </dsp:spPr>
+      <dsp:style>
+        <a:lnRef idx="2">
+          <a:scrgbClr r="0" g="0" b="0"/>
+        </a:lnRef>
+        <a:fillRef idx="1">
+          <a:scrgbClr r="0" g="0" b="0"/>
+        </a:fillRef>
+        <a:effectRef idx="0">
+          <a:scrgbClr r="0" g="0" b="0"/>
+        </a:effectRef>
+        <a:fontRef idx="minor">
+          <a:schemeClr val="lt1"/>
+        </a:fontRef>
+      </dsp:style>
+      <dsp:txBody>
+        <a:bodyPr spcFirstLastPara="0" vert="horz" wrap="square" lIns="274320" tIns="274320" rIns="274320" bIns="274320" numCol="1" spcCol="1270" anchor="ctr" anchorCtr="0">
+          <a:noAutofit/>
+        </a:bodyPr>
+        <a:lstStyle/>
+        <a:p>
+          <a:pPr marL="0" lvl="0" indent="0" algn="l" defTabSz="3200400">
+            <a:lnSpc>
+              <a:spcPct val="90000"/>
+            </a:lnSpc>
+            <a:spcBef>
+              <a:spcPct val="0"/>
+            </a:spcBef>
+            <a:spcAft>
+              <a:spcPct val="35000"/>
+            </a:spcAft>
+            <a:buNone/>
+          </a:pPr>
+          <a:r>
+            <a:rPr lang="en-US" sz="7200" kern="1200" dirty="0" err="1">
+              <a:solidFill>
+                <a:schemeClr val="tx1"/>
+              </a:solidFill>
+              <a:latin typeface="+mn-lt"/>
+              <a:ea typeface="Helvetica Neue" panose="02000503000000020004" pitchFamily="2" charset="0"/>
+              <a:cs typeface="Helvetica Neue" panose="02000503000000020004" pitchFamily="2" charset="0"/>
+            </a:rPr>
+            <a:t>জিনোমিক্সের</a:t>
+          </a:r>
+          <a:r>
+            <a:rPr lang="bn-IN" sz="7200" kern="1200" dirty="0">
+              <a:solidFill>
+                <a:schemeClr val="tx1"/>
+              </a:solidFill>
+              <a:latin typeface="+mn-lt"/>
+              <a:ea typeface="Helvetica Neue" panose="02000503000000020004" pitchFamily="2" charset="0"/>
+            </a:rPr>
+            <a:t> জন্য </a:t>
+          </a:r>
+          <a:endParaRPr lang="en-CA" sz="7200" kern="1200" dirty="0">
+            <a:solidFill>
+              <a:schemeClr val="tx1"/>
+            </a:solidFill>
+            <a:latin typeface="+mn-lt"/>
+            <a:ea typeface="Helvetica Neue" panose="02000503000000020004" pitchFamily="2" charset="0"/>
+            <a:cs typeface="Helvetica Neue" panose="02000503000000020004" pitchFamily="2" charset="0"/>
+          </a:endParaRPr>
+        </a:p>
+        <a:p>
+          <a:pPr marL="0" lvl="0" indent="0" algn="l" defTabSz="3200400">
+            <a:lnSpc>
+              <a:spcPct val="90000"/>
+            </a:lnSpc>
+            <a:spcBef>
+              <a:spcPct val="0"/>
+            </a:spcBef>
+            <a:spcAft>
+              <a:spcPct val="35000"/>
+            </a:spcAft>
+            <a:buNone/>
+          </a:pPr>
+          <a:r>
+            <a:rPr lang="en-US" sz="7200" kern="1200" dirty="0" err="1">
+              <a:solidFill>
+                <a:schemeClr val="tx1"/>
+              </a:solidFill>
+              <a:latin typeface="+mn-lt"/>
+              <a:ea typeface="Helvetica Neue" panose="02000503000000020004" pitchFamily="2" charset="0"/>
+              <a:cs typeface="Helvetica Neue" panose="02000503000000020004" pitchFamily="2" charset="0"/>
+            </a:rPr>
+            <a:t>বাংলায়</a:t>
+          </a:r>
+          <a:r>
+            <a:rPr lang="bn-IN" sz="7200" kern="1200" dirty="0">
+              <a:solidFill>
+                <a:schemeClr val="tx1"/>
+              </a:solidFill>
+              <a:latin typeface="+mn-lt"/>
+              <a:ea typeface="Helvetica Neue" panose="02000503000000020004" pitchFamily="2" charset="0"/>
+            </a:rPr>
+            <a:t> </a:t>
+          </a:r>
+          <a:r>
+            <a:rPr lang="bn-IN" sz="8000" kern="1200" dirty="0">
+              <a:solidFill>
+                <a:schemeClr val="tx1"/>
+              </a:solidFill>
+              <a:latin typeface="+mn-lt"/>
+              <a:ea typeface="Helvetica Neue" panose="02000503000000020004" pitchFamily="2" charset="0"/>
+            </a:rPr>
+            <a:t>লিনাক্স</a:t>
+          </a:r>
+          <a:r>
+            <a:rPr lang="bn-IN" sz="7200" kern="1200" dirty="0">
+              <a:solidFill>
+                <a:schemeClr val="tx1"/>
+              </a:solidFill>
+              <a:latin typeface="+mn-lt"/>
+              <a:ea typeface="Helvetica Neue" panose="02000503000000020004" pitchFamily="2" charset="0"/>
+            </a:rPr>
+            <a:t> কমান্ড </a:t>
+          </a:r>
+          <a:endParaRPr lang="en-US" sz="7200" kern="1200" dirty="0">
+            <a:solidFill>
+              <a:schemeClr val="tx1"/>
+            </a:solidFill>
+            <a:latin typeface="+mn-lt"/>
+            <a:ea typeface="Helvetica Neue" panose="02000503000000020004" pitchFamily="2" charset="0"/>
+            <a:cs typeface="Helvetica Neue" panose="02000503000000020004" pitchFamily="2" charset="0"/>
+          </a:endParaRPr>
+        </a:p>
+      </dsp:txBody>
+      <dsp:txXfrm>
+        <a:off x="189335" y="1036122"/>
+        <a:ext cx="9165747" cy="3499880"/>
+      </dsp:txXfrm>
+    </dsp:sp>
+  </dsp:spTree>
+</dsp:drawing>
+</file>
+
+<file path=ppt/diagrams/layout1.xml><?xml version="1.0" encoding="utf-8"?>
+<dgm:layoutDef xmlns:dgm="http://schemas.openxmlformats.org/drawingml/2006/diagram" xmlns:a="http://schemas.openxmlformats.org/drawingml/2006/main" uniqueId="urn:microsoft.com/office/officeart/2005/8/layout/vList2">
+  <dgm:title val=""/>
+  <dgm:desc val=""/>
+  <dgm:catLst>
+    <dgm:cat type="list" pri="3000"/>
+    <dgm:cat type="convert" pri="1000"/>
+  </dgm:catLst>
+  <dgm:sampData>
+    <dgm:dataModel>
+      <dgm:ptLst>
+        <dgm:pt modelId="0" type="doc"/>
+        <dgm:pt modelId="1">
+          <dgm:prSet phldr="1"/>
+        </dgm:pt>
+        <dgm:pt modelId="11">
+          <dgm:prSet phldr="1"/>
+        </dgm:pt>
+        <dgm:pt modelId="2">
+          <dgm:prSet phldr="1"/>
+        </dgm:pt>
+        <dgm:pt modelId="21">
+          <dgm:prSet phldr="1"/>
+        </dgm:pt>
+      </dgm:ptLst>
+      <dgm:cxnLst>
+        <dgm:cxn modelId="4" srcId="0" destId="1" srcOrd="0" destOrd="0"/>
+        <dgm:cxn modelId="5" srcId="0" destId="2" srcOrd="1" destOrd="0"/>
+        <dgm:cxn modelId="12" srcId="1" destId="11" srcOrd="0" destOrd="0"/>
+        <dgm:cxn modelId="23" srcId="2" destId="21" srcOrd="0" destOrd="0"/>
+      </dgm:cxnLst>
+      <dgm:bg/>
+      <dgm:whole/>
+    </dgm:dataModel>
+  </dgm:sampData>
+  <dgm:styleData>
+    <dgm:dataModel>
+      <dgm:ptLst>
+        <dgm:pt modelId="0" type="doc"/>
+        <dgm:pt modelId="1"/>
+        <dgm:pt modelId="2"/>
+      </dgm:ptLst>
+      <dgm:cxnLst>
+        <dgm:cxn modelId="3" srcId="0" destId="1" srcOrd="0" destOrd="0"/>
+        <dgm:cxn modelId="4" srcId="0" destId="2" srcOrd="1" destOrd="0"/>
+      </dgm:cxnLst>
+      <dgm:bg/>
+      <dgm:whole/>
+    </dgm:dataModel>
+  </dgm:styleData>
+  <dgm:clrData>
+    <dgm:dataModel>
+      <dgm:ptLst>
+        <dgm:pt modelId="0" type="doc"/>
+        <dgm:pt modelId="1"/>
+        <dgm:pt modelId="2"/>
+        <dgm:pt modelId="3"/>
+        <dgm:pt modelId="4"/>
+      </dgm:ptLst>
+      <dgm:cxnLst>
+        <dgm:cxn modelId="5" srcId="0" destId="1" srcOrd="0" destOrd="0"/>
+        <dgm:cxn modelId="6" srcId="0" destId="2" srcOrd="1" destOrd="0"/>
+        <dgm:cxn modelId="7" srcId="0" destId="3" srcOrd="2" destOrd="0"/>
+        <dgm:cxn modelId="8" srcId="0" destId="4" srcOrd="3" destOrd="0"/>
+      </dgm:cxnLst>
+      <dgm:bg/>
+      <dgm:whole/>
+    </dgm:dataModel>
+  </dgm:clrData>
+  <dgm:layoutNode name="linear">
+    <dgm:varLst>
+      <dgm:animLvl val="lvl"/>
+      <dgm:resizeHandles val="exact"/>
+    </dgm:varLst>
+    <dgm:alg type="lin">
+      <dgm:param type="linDir" val="fromT"/>
+      <dgm:param type="vertAlign" val="mid"/>
+    </dgm:alg>
+    <dgm:shape xmlns:r="http://schemas.openxmlformats.org/officeDocument/2006/relationships" r:blip="">
+      <dgm:adjLst/>
+    </dgm:shape>
+    <dgm:presOf/>
+    <dgm:constrLst>
+      <dgm:constr type="w" for="ch" forName="parentText" refType="w"/>
+      <dgm:constr type="h" for="ch" forName="parentText" refType="primFontSz" refFor="ch" refForName="parentText" fact="0.52"/>
+      <dgm:constr type="w" for="ch" forName="childText" refType="w"/>
+      <dgm:constr type="h" for="ch" forName="childText" refType="primFontSz" refFor="ch" refForName="parentText" fact="0.46"/>
+      <dgm:constr type="h" for="ch" forName="parentText" op="equ"/>
+      <dgm:constr type="primFontSz" for="ch" forName="parentText" op="equ" val="65"/>
+      <dgm:constr type="primFontSz" for="ch" forName="childText" refType="primFontSz" refFor="ch" refForName="parentText" op="equ"/>
+      <dgm:constr type="h" for="ch" forName="spacer" refType="primFontSz" refFor="ch" refForName="parentText" fact="0.08"/>
+    </dgm:constrLst>
+    <dgm:ruleLst>
+      <dgm:rule type="primFontSz" for="ch" forName="parentText" val="5" fact="NaN" max="NaN"/>
+    </dgm:ruleLst>
+    <dgm:forEach name="Name0" axis="ch" ptType="node">
+      <dgm:layoutNode name="parentText" styleLbl="node1">
+        <dgm:varLst>
+          <dgm:chMax val="0"/>
+          <dgm:bulletEnabled val="1"/>
+        </dgm:varLst>
+        <dgm:alg type="tx">
+          <dgm:param type="parTxLTRAlign" val="l"/>
+          <dgm:param type="parTxRTLAlign" val="r"/>
+        </dgm:alg>
+        <dgm:shape xmlns:r="http://schemas.openxmlformats.org/officeDocument/2006/relationships" type="roundRect" r:blip="">
+          <dgm:adjLst/>
+        </dgm:shape>
+        <dgm:presOf axis="self"/>
+        <dgm:constrLst>
+          <dgm:constr type="tMarg" refType="primFontSz" fact="0.3"/>
+          <dgm:constr type="bMarg" refType="primFontSz" fact="0.3"/>
+          <dgm:constr type="lMarg" refType="primFontSz" fact="0.3"/>
+          <dgm:constr type="rMarg" refType="primFontSz" fact="0.3"/>
+        </dgm:constrLst>
+        <dgm:ruleLst>
+          <dgm:rule type="h" val="INF" fact="NaN" max="NaN"/>
+        </dgm:ruleLst>
+      </dgm:layoutNode>
+      <dgm:choose name="Name1">
+        <dgm:if name="Name2" axis="ch" ptType="node" func="cnt" op="gte" val="1">
+          <dgm:layoutNode name="childText" styleLbl="revTx">
+            <dgm:varLst>
+              <dgm:bulletEnabled val="1"/>
+            </dgm:varLst>
+            <dgm:alg type="tx">
+              <dgm:param type="stBulletLvl" val="1"/>
+              <dgm:param type="lnSpAfChP" val="20"/>
+            </dgm:alg>
+            <dgm:shape xmlns:r="http://schemas.openxmlformats.org/officeDocument/2006/relationships" type="rect" r:blip="">
+              <dgm:adjLst/>
+            </dgm:shape>
+            <dgm:presOf axis="des" ptType="node"/>
+            <dgm:constrLst>
+              <dgm:constr type="tMarg" refType="primFontSz" fact="0.1"/>
+              <dgm:constr type="bMarg" refType="primFontSz" fact="0.1"/>
+              <dgm:constr type="lMarg" refType="w" fact="0.09"/>
+            </dgm:constrLst>
+            <dgm:ruleLst>
+              <dgm:rule type="h" val="INF" fact="NaN" max="NaN"/>
+            </dgm:ruleLst>
+          </dgm:layoutNode>
+        </dgm:if>
+        <dgm:else name="Name3">
+          <dgm:choose name="Name4">
+            <dgm:if name="Name5" axis="par ch" ptType="doc node" func="cnt" op="gte" val="2">
+              <dgm:forEach name="Name6" axis="followSib" ptType="sibTrans" cnt="1">
+                <dgm:layoutNode name="spacer">
+                  <dgm:alg type="sp"/>
+                  <dgm:shape xmlns:r="http://schemas.openxmlformats.org/officeDocument/2006/relationships" r:blip="">
+                    <dgm:adjLst/>
+                  </dgm:shape>
+                  <dgm:presOf/>
+                  <dgm:constrLst/>
+                  <dgm:ruleLst/>
+                </dgm:layoutNode>
+              </dgm:forEach>
+            </dgm:if>
+            <dgm:else name="Name7"/>
+          </dgm:choose>
+        </dgm:else>
+      </dgm:choose>
+    </dgm:forEach>
+  </dgm:layoutNode>
+</dgm:layoutDef>
+</file>
+
+<file path=ppt/diagrams/quickStyle1.xml><?xml version="1.0" encoding="utf-8"?>
+<dgm:styleDef xmlns:dgm="http://schemas.openxmlformats.org/drawingml/2006/diagram" xmlns:a="http://schemas.openxmlformats.org/drawingml/2006/main" uniqueId="urn:microsoft.com/office/officeart/2005/8/quickstyle/simple1">
+  <dgm:title val=""/>
+  <dgm:desc val=""/>
+  <dgm:catLst>
+    <dgm:cat type="simple" pri="10100"/>
+  </dgm:catLst>
+  <dgm:scene3d>
+    <a:camera prst="orthographicFront"/>
+    <a:lightRig rig="threePt" dir="t"/>
+  </dgm:scene3d>
+  <dgm:styleLbl name="node0">
+    <dgm:scene3d>
+      <a:camera prst="orthographicFront"/>
+      <a:lightRig rig="threePt" dir="t"/>
+    </dgm:scene3d>
+    <dgm:sp3d/>
+    <dgm:txPr/>
+    <dgm:style>
+      <a:lnRef idx="2">
+        <a:scrgbClr r="0" g="0" b="0"/>
+      </a:lnRef>
+      <a:fillRef idx="1">
+        <a:scrgbClr r="0" g="0" b="0"/>
+      </a:fillRef>
+      <a:effectRef idx="0">
+        <a:scrgbClr r="0" g="0" b="0"/>
+      </a:effectRef>
+      <a:fontRef idx="minor">
+        <a:schemeClr val="lt1"/>
+      </a:fontRef>
+    </dgm:style>
+  </dgm:styleLbl>
+  <dgm:styleLbl name="lnNode1">
+    <dgm:scene3d>
+      <a:camera prst="orthographicFront"/>
+      <a:lightRig rig="threePt" dir="t"/>
+    </dgm:scene3d>
+    <dgm:sp3d/>
+    <dgm:txPr/>
+    <dgm:style>
+      <a:lnRef idx="2">
+        <a:scrgbClr r="0" g="0" b="0"/>
+      </a:lnRef>
+      <a:fillRef idx="1">
+        <a:scrgbClr r="0" g="0" b="0"/>
+      </a:fillRef>
+      <a:effectRef idx="0">
+        <a:scrgbClr r="0" g="0" b="0"/>
+      </a:effectRef>
+      <a:fontRef idx="minor">
+        <a:schemeClr val="lt1"/>
+      </a:fontRef>
+    </dgm:style>
+  </dgm:styleLbl>
+  <dgm:styleLbl name="vennNode1">
+    <dgm:scene3d>
+      <a:camera prst="orthographicFront"/>
+      <a:lightRig rig="threePt" dir="t"/>
+    </dgm:scene3d>
+    <dgm:sp3d/>
+    <dgm:txPr/>
+    <dgm:style>
+      <a:lnRef idx="2">
+        <a:scrgbClr r="0" g="0" b="0"/>
+      </a:lnRef>
+      <a:fillRef idx="1">
+        <a:scrgbClr r="0" g="0" b="0"/>
+      </a:fillRef>
+      <a:effectRef idx="0">
+        <a:scrgbClr r="0" g="0" b="0"/>
+      </a:effectRef>
+      <a:fontRef idx="minor">
+        <a:schemeClr val="tx1"/>
+      </a:fontRef>
+    </dgm:style>
+  </dgm:styleLbl>
+  <dgm:styleLbl name="alignNode1">
+    <dgm:scene3d>
+      <a:camera prst="orthographicFront"/>
+      <a:lightRig rig="threePt" dir="t"/>
+    </dgm:scene3d>
+    <dgm:sp3d/>
+    <dgm:txPr/>
+    <dgm:style>
+      <a:lnRef idx="2">
+        <a:scrgbClr r="0" g="0" b="0"/>
+      </a:lnRef>
+      <a:fillRef idx="1">
+        <a:scrgbClr r="0" g="0" b="0"/>
+      </a:fillRef>
+      <a:effectRef idx="0">
+        <a:scrgbClr r="0" g="0" b="0"/>
+      </a:effectRef>
+      <a:fontRef idx="minor">
+        <a:schemeClr val="lt1"/>
+      </a:fontRef>
+    </dgm:style>
+  </dgm:styleLbl>
+  <dgm:styleLbl name="node1">
+    <dgm:scene3d>
+      <a:camera prst="orthographicFront"/>
+      <a:lightRig rig="threePt" dir="t"/>
+    </dgm:scene3d>
+    <dgm:sp3d/>
+    <dgm:txPr/>
+    <dgm:style>
+      <a:lnRef idx="2">
+        <a:scrgbClr r="0" g="0" b="0"/>
+      </a:lnRef>
+      <a:fillRef idx="1">
+        <a:scrgbClr r="0" g="0" b="0"/>
+      </a:fillRef>
+      <a:effectRef idx="0">
+        <a:scrgbClr r="0" g="0" b="0"/>
+      </a:effectRef>
+      <a:fontRef idx="minor">
+        <a:schemeClr val="lt1"/>
+      </a:fontRef>
+    </dgm:style>
+  </dgm:styleLbl>
+  <dgm:styleLbl name="node2">
+    <dgm:scene3d>
+      <a:camera prst="orthographicFront"/>
+      <a:lightRig rig="threePt" dir="t"/>
+    </dgm:scene3d>
+    <dgm:sp3d/>
+    <dgm:txPr/>
+    <dgm:style>
+      <a:lnRef idx="2">
+        <a:scrgbClr r="0" g="0" b="0"/>
+      </a:lnRef>
+      <a:fillRef idx="1">
+        <a:scrgbClr r="0" g="0" b="0"/>
+      </a:fillRef>
+      <a:effectRef idx="0">
+        <a:scrgbClr r="0" g="0" b="0"/>
+      </a:effectRef>
+      <a:fontRef idx="minor">
+        <a:schemeClr val="lt1"/>
+      </a:fontRef>
+    </dgm:style>
+  </dgm:styleLbl>
+  <dgm:styleLbl name="node3">
+    <dgm:scene3d>
+      <a:camera prst="orthographicFront"/>
+      <a:lightRig rig="threePt" dir="t"/>
+    </dgm:scene3d>
+    <dgm:sp3d/>
+    <dgm:txPr/>
+    <dgm:style>
+      <a:lnRef idx="2">
+        <a:scrgbClr r="0" g="0" b="0"/>
+      </a:lnRef>
+      <a:fillRef idx="1">
+        <a:scrgbClr r="0" g="0" b="0"/>
+      </a:fillRef>
+      <a:effectRef idx="0">
+        <a:scrgbClr r="0" g="0" b="0"/>
+      </a:effectRef>
+      <a:fontRef idx="minor">
+        <a:schemeClr val="lt1"/>
+      </a:fontRef>
+    </dgm:style>
+  </dgm:styleLbl>
+  <dgm:styleLbl name="node4">
+    <dgm:scene3d>
+      <a:camera prst="orthographicFront"/>
+      <a:lightRig rig="threePt" dir="t"/>
+    </dgm:scene3d>
+    <dgm:sp3d/>
+    <dgm:txPr/>
+    <dgm:style>
+      <a:lnRef idx="2">
+        <a:scrgbClr r="0" g="0" b="0"/>
+      </a:lnRef>
+      <a:fillRef idx="1">
+        <a:scrgbClr r="0" g="0" b="0"/>
+      </a:fillRef>
+      <a:effectRef idx="0">
+        <a:scrgbClr r="0" g="0" b="0"/>
+      </a:effectRef>
+      <a:fontRef idx="minor">
+        <a:schemeClr val="lt1"/>
+      </a:fontRef>
+    </dgm:style>
+  </dgm:styleLbl>
+  <dgm:styleLbl name="fgImgPlace1">
+    <dgm:scene3d>
+      <a:camera prst="orthographicFront"/>
+      <a:lightRig rig="threePt" dir="t"/>
+    </dgm:scene3d>
+    <dgm:sp3d/>
+    <dgm:txPr/>
+    <dgm:style>
+      <a:lnRef idx="2">
+        <a:scrgbClr r="0" g="0" b="0"/>
+      </a:lnRef>
+      <a:fillRef idx="1">
+        <a:scrgbClr r="0" g="0" b="0"/>
+      </a:fillRef>
+      <a:effectRef idx="0">
+        <a:scrgbClr r="0" g="0" b="0"/>
+      </a:effectRef>
+      <a:fontRef idx="minor"/>
+    </dgm:style>
+  </dgm:styleLbl>
+  <dgm:styleLbl name="alignImgPlace1">
+    <dgm:scene3d>
+      <a:camera prst="orthographicFront"/>
+      <a:lightRig rig="threePt" dir="t"/>
+    </dgm:scene3d>
+    <dgm:sp3d/>
+    <dgm:txPr/>
+    <dgm:style>
+      <a:lnRef idx="2">
+        <a:scrgbClr r="0" g="0" b="0"/>
+      </a:lnRef>
+      <a:fillRef idx="1">
+        <a:scrgbClr r="0" g="0" b="0"/>
+      </a:fillRef>
+      <a:effectRef idx="0">
+        <a:scrgbClr r="0" g="0" b="0"/>
+      </a:effectRef>
+      <a:fontRef idx="minor"/>
+    </dgm:style>
+  </dgm:styleLbl>
+  <dgm:styleLbl name="bgImgPlace1">
+    <dgm:scene3d>
+      <a:camera prst="orthographicFront"/>
+      <a:lightRig rig="threePt" dir="t"/>
+    </dgm:scene3d>
+    <dgm:sp3d/>
+    <dgm:txPr/>
+    <dgm:style>
+      <a:lnRef idx="2">
+        <a:scrgbClr r="0" g="0" b="0"/>
+      </a:lnRef>
+      <a:fillRef idx="1">
+        <a:scrgbClr r="0" g="0" b="0"/>
+      </a:fillRef>
+      <a:effectRef idx="0">
+        <a:scrgbClr r="0" g="0" b="0"/>
+      </a:effectRef>
+      <a:fontRef idx="minor"/>
+    </dgm:style>
+  </dgm:styleLbl>
+  <dgm:styleLbl name="sibTrans2D1">
+    <dgm:scene3d>
+      <a:camera prst="orthographicFront"/>
+      <a:lightRig rig="threePt" dir="t"/>
+    </dgm:scene3d>
+    <dgm:sp3d/>
+    <dgm:txPr/>
+    <dgm:style>
+      <a:lnRef idx="0">
+        <a:scrgbClr r="0" g="0" b="0"/>
+      </a:lnRef>
+      <a:fillRef idx="1">
+        <a:scrgbClr r="0" g="0" b="0"/>
+      </a:fillRef>
+      <a:effectRef idx="0">
+        <a:scrgbClr r="0" g="0" b="0"/>
+      </a:effectRef>
+      <a:fontRef idx="minor">
+        <a:schemeClr val="lt1"/>
+      </a:fontRef>
+    </dgm:style>
+  </dgm:styleLbl>
+  <dgm:styleLbl name="fgSibTrans2D1">
+    <dgm:scene3d>
+      <a:camera prst="orthographicFront"/>
+      <a:lightRig rig="threePt" dir="t"/>
+    </dgm:scene3d>
+    <dgm:sp3d/>
+    <dgm:txPr/>
+    <dgm:style>
+      <a:lnRef idx="0">
+        <a:scrgbClr r="0" g="0" b="0"/>
+      </a:lnRef>
+      <a:fillRef idx="1">
+        <a:scrgbClr r="0" g="0" b="0"/>
+      </a:fillRef>
+      <a:effectRef idx="0">
+        <a:scrgbClr r="0" g="0" b="0"/>
+      </a:effectRef>
+      <a:fontRef idx="minor">
+        <a:schemeClr val="lt1"/>
+      </a:fontRef>
+    </dgm:style>
+  </dgm:styleLbl>
+  <dgm:styleLbl name="bgSibTrans2D1">
+    <dgm:scene3d>
+      <a:camera prst="orthographicFront"/>
+      <a:lightRig rig="threePt" dir="t"/>
+    </dgm:scene3d>
+    <dgm:sp3d/>
+    <dgm:txPr/>
+    <dgm:style>
+      <a:lnRef idx="0">
+        <a:scrgbClr r="0" g="0" b="0"/>
+      </a:lnRef>
+      <a:fillRef idx="1">
+        <a:scrgbClr r="0" g="0" b="0"/>
+      </a:fillRef>
+      <a:effectRef idx="0">
+        <a:scrgbClr r="0" g="0" b="0"/>
+      </a:effectRef>
+      <a:fontRef idx="minor">
+        <a:schemeClr val="lt1"/>
+      </a:fontRef>
+    </dgm:style>
+  </dgm:styleLbl>
+  <dgm:styleLbl name="sibTrans1D1">
+    <dgm:scene3d>
+      <a:camera prst="orthographicFront"/>
+      <a:lightRig rig="threePt" dir="t"/>
+    </dgm:scene3d>
+    <dgm:sp3d/>
+    <dgm:txPr/>
+    <dgm:style>
+      <a:lnRef idx="1">
+        <a:scrgbClr r="0" g="0" b="0"/>
+      </a:lnRef>
+      <a:fillRef idx="0">
+        <a:scrgbClr r="0" g="0" b="0"/>
+      </a:fillRef>
+      <a:effectRef idx="0">
+        <a:scrgbClr r="0" g="0" b="0"/>
+      </a:effectRef>
+      <a:fontRef idx="minor"/>
+    </dgm:style>
+  </dgm:styleLbl>
+  <dgm:styleLbl name="callout">
+    <dgm:scene3d>
+      <a:camera prst="orthographicFront"/>
+      <a:lightRig rig="threePt" dir="t"/>
+    </dgm:scene3d>
+    <dgm:sp3d/>
+    <dgm:txPr/>
+    <dgm:style>
+      <a:lnRef idx="2">
+        <a:scrgbClr r="0" g="0" b="0"/>
+      </a:lnRef>
+      <a:fillRef idx="1">
+        <a:scrgbClr r="0" g="0" b="0"/>
+      </a:fillRef>
+      <a:effectRef idx="0">
+        <a:scrgbClr r="0" g="0" b="0"/>
+      </a:effectRef>
+      <a:fontRef idx="minor"/>
+    </dgm:style>
+  </dgm:styleLbl>
+  <dgm:styleLbl name="asst0">
+    <dgm:scene3d>
+      <a:camera prst="orthographicFront"/>
+      <a:lightRig rig="threePt" dir="t"/>
+    </dgm:scene3d>
+    <dgm:sp3d/>
+    <dgm:txPr/>
+    <dgm:style>
+      <a:lnRef idx="2">
+        <a:scrgbClr r="0" g="0" b="0"/>
+      </a:lnRef>
+      <a:fillRef idx="1">
+        <a:scrgbClr r="0" g="0" b="0"/>
+      </a:fillRef>
+      <a:effectRef idx="0">
+        <a:scrgbClr r="0" g="0" b="0"/>
+      </a:effectRef>
+      <a:fontRef idx="minor">
+        <a:schemeClr val="lt1"/>
+      </a:fontRef>
+    </dgm:style>
+  </dgm:styleLbl>
+  <dgm:styleLbl name="asst1">
+    <dgm:scene3d>
+      <a:camera prst="orthographicFront"/>
+      <a:lightRig rig="threePt" dir="t"/>
+    </dgm:scene3d>
+    <dgm:sp3d/>
+    <dgm:txPr/>
+    <dgm:style>
+      <a:lnRef idx="2">
+        <a:scrgbClr r="0" g="0" b="0"/>
+      </a:lnRef>
+      <a:fillRef idx="1">
+        <a:scrgbClr r="0" g="0" b="0"/>
+      </a:fillRef>
+      <a:effectRef idx="0">
+        <a:scrgbClr r="0" g="0" b="0"/>
+      </a:effectRef>
+      <a:fontRef idx="minor">
+        <a:schemeClr val="lt1"/>
+      </a:fontRef>
+    </dgm:style>
+  </dgm:styleLbl>
+  <dgm:styleLbl name="asst2">
+    <dgm:scene3d>
+      <a:camera prst="orthographicFront"/>
+      <a:lightRig rig="threePt" dir="t"/>
+    </dgm:scene3d>
+    <dgm:sp3d/>
+    <dgm:txPr/>
+    <dgm:style>
+      <a:lnRef idx="2">
+        <a:scrgbClr r="0" g="0" b="0"/>
+      </a:lnRef>
+      <a:fillRef idx="1">
+        <a:scrgbClr r="0" g="0" b="0"/>
+      </a:fillRef>
+      <a:effectRef idx="0">
+        <a:scrgbClr r="0" g="0" b="0"/>
+      </a:effectRef>
+      <a:fontRef idx="minor">
+        <a:schemeClr val="lt1"/>
+      </a:fontRef>
+    </dgm:style>
+  </dgm:styleLbl>
+  <dgm:styleLbl name="asst3">
+    <dgm:scene3d>
+      <a:camera prst="orthographicFront"/>
+      <a:lightRig rig="threePt" dir="t"/>
+    </dgm:scene3d>
+    <dgm:sp3d/>
+    <dgm:txPr/>
+    <dgm:style>
+      <a:lnRef idx="2">
+        <a:scrgbClr r="0" g="0" b="0"/>
+      </a:lnRef>
+      <a:fillRef idx="1">
+        <a:scrgbClr r="0" g="0" b="0"/>
+      </a:fillRef>
+      <a:effectRef idx="0">
+        <a:scrgbClr r="0" g="0" b="0"/>
+      </a:effectRef>
+      <a:fontRef idx="minor">
+        <a:schemeClr val="lt1"/>
+      </a:fontRef>
+    </dgm:style>
+  </dgm:styleLbl>
+  <dgm:styleLbl name="asst4">
+    <dgm:scene3d>
+      <a:camera prst="orthographicFront"/>
+      <a:lightRig rig="threePt" dir="t"/>
+    </dgm:scene3d>
+    <dgm:sp3d/>
+    <dgm:txPr/>
+    <dgm:style>
+      <a:lnRef idx="2">
+        <a:scrgbClr r="0" g="0" b="0"/>
+      </a:lnRef>
+      <a:fillRef idx="1">
+        <a:scrgbClr r="0" g="0" b="0"/>
+      </a:fillRef>
+      <a:effectRef idx="0">
+        <a:scrgbClr r="0" g="0" b="0"/>
+      </a:effectRef>
+      <a:fontRef idx="minor">
+        <a:schemeClr val="lt1"/>
+      </a:fontRef>
+    </dgm:style>
+  </dgm:styleLbl>
+  <dgm:styleLbl name="parChTrans2D1">
+    <dgm:scene3d>
+      <a:camera prst="orthographicFront"/>
+      <a:lightRig rig="threePt" dir="t"/>
+    </dgm:scene3d>
+    <dgm:sp3d/>
+    <dgm:txPr/>
+    <dgm:style>
+      <a:lnRef idx="2">
+        <a:scrgbClr r="0" g="0" b="0"/>
+      </a:lnRef>
+      <a:fillRef idx="1">
+        <a:scrgbClr r="0" g="0" b="0"/>
+      </a:fillRef>
+      <a:effectRef idx="0">
+        <a:scrgbClr r="0" g="0" b="0"/>
+      </a:effectRef>
+      <a:fontRef idx="minor">
+        <a:schemeClr val="lt1"/>
+      </a:fontRef>
+    </dgm:style>
+  </dgm:styleLbl>
+  <dgm:styleLbl name="parChTrans2D2">
+    <dgm:scene3d>
+      <a:camera prst="orthographicFront"/>
+      <a:lightRig rig="threePt" dir="t"/>
+    </dgm:scene3d>
+    <dgm:sp3d/>
+    <dgm:txPr/>
+    <dgm:style>
+      <a:lnRef idx="2">
+        <a:scrgbClr r="0" g="0" b="0"/>
+      </a:lnRef>
+      <a:fillRef idx="1">
+        <a:scrgbClr r="0" g="0" b="0"/>
+      </a:fillRef>
+      <a:effectRef idx="0">
+        <a:scrgbClr r="0" g="0" b="0"/>
+      </a:effectRef>
+      <a:fontRef idx="minor">
+        <a:schemeClr val="lt1"/>
+      </a:fontRef>
+    </dgm:style>
+  </dgm:styleLbl>
+  <dgm:styleLbl name="parChTrans2D3">
+    <dgm:scene3d>
+      <a:camera prst="orthographicFront"/>
+      <a:lightRig rig="threePt" dir="t"/>
+    </dgm:scene3d>
+    <dgm:sp3d/>
+    <dgm:txPr/>
+    <dgm:style>
+      <a:lnRef idx="2">
+        <a:scrgbClr r="0" g="0" b="0"/>
+      </a:lnRef>
+      <a:fillRef idx="1">
+        <a:scrgbClr r="0" g="0" b="0"/>
+      </a:fillRef>
+      <a:effectRef idx="0">
+        <a:scrgbClr r="0" g="0" b="0"/>
+      </a:effectRef>
+      <a:fontRef idx="minor">
+        <a:schemeClr val="lt1"/>
+      </a:fontRef>
+    </dgm:style>
+  </dgm:styleLbl>
+  <dgm:styleLbl name="parChTrans2D4">
+    <dgm:scene3d>
+      <a:camera prst="orthographicFront"/>
+      <a:lightRig rig="threePt" dir="t"/>
+    </dgm:scene3d>
+    <dgm:sp3d/>
+    <dgm:txPr/>
+    <dgm:style>
+      <a:lnRef idx="2">
+        <a:scrgbClr r="0" g="0" b="0"/>
+      </a:lnRef>
+      <a:fillRef idx="1">
+        <a:scrgbClr r="0" g="0" b="0"/>
+      </a:fillRef>
+      <a:effectRef idx="0">
+        <a:scrgbClr r="0" g="0" b="0"/>
+      </a:effectRef>
+      <a:fontRef idx="minor">
+        <a:schemeClr val="lt1"/>
+      </a:fontRef>
+    </dgm:style>
+  </dgm:styleLbl>
+  <dgm:styleLbl name="parChTrans1D1">
+    <dgm:scene3d>
+      <a:camera prst="orthographicFront"/>
+      <a:lightRig rig="threePt" dir="t"/>
+    </dgm:scene3d>
+    <dgm:sp3d/>
+    <dgm:txPr/>
+    <dgm:style>
+      <a:lnRef idx="2">
+        <a:scrgbClr r="0" g="0" b="0"/>
+      </a:lnRef>
+      <a:fillRef idx="0">
+        <a:scrgbClr r="0" g="0" b="0"/>
+      </a:fillRef>
+      <a:effectRef idx="0">
+        <a:scrgbClr r="0" g="0" b="0"/>
+      </a:effectRef>
+      <a:fontRef idx="minor"/>
+    </dgm:style>
+  </dgm:styleLbl>
+  <dgm:styleLbl name="parChTrans1D2">
+    <dgm:scene3d>
+      <a:camera prst="orthographicFront"/>
+      <a:lightRig rig="threePt" dir="t"/>
+    </dgm:scene3d>
+    <dgm:sp3d/>
+    <dgm:txPr/>
+    <dgm:style>
+      <a:lnRef idx="2">
+        <a:scrgbClr r="0" g="0" b="0"/>
+      </a:lnRef>
+      <a:fillRef idx="0">
+        <a:scrgbClr r="0" g="0" b="0"/>
+      </a:fillRef>
+      <a:effectRef idx="0">
+        <a:scrgbClr r="0" g="0" b="0"/>
+      </a:effectRef>
+      <a:fontRef idx="minor"/>
+    </dgm:style>
+  </dgm:styleLbl>
+  <dgm:styleLbl name="parChTrans1D3">
+    <dgm:scene3d>
+      <a:camera prst="orthographicFront"/>
+      <a:lightRig rig="threePt" dir="t"/>
+    </dgm:scene3d>
+    <dgm:sp3d/>
+    <dgm:txPr/>
+    <dgm:style>
+      <a:lnRef idx="2">
+        <a:scrgbClr r="0" g="0" b="0"/>
+      </a:lnRef>
+      <a:fillRef idx="0">
+        <a:scrgbClr r="0" g="0" b="0"/>
+      </a:fillRef>
+      <a:effectRef idx="0">
+        <a:scrgbClr r="0" g="0" b="0"/>
+      </a:effectRef>
+      <a:fontRef idx="minor"/>
+    </dgm:style>
+  </dgm:styleLbl>
+  <dgm:styleLbl name="parChTrans1D4">
+    <dgm:scene3d>
+      <a:camera prst="orthographicFront"/>
+      <a:lightRig rig="threePt" dir="t"/>
+    </dgm:scene3d>
+    <dgm:sp3d/>
+    <dgm:txPr/>
+    <dgm:style>
+      <a:lnRef idx="2">
+        <a:scrgbClr r="0" g="0" b="0"/>
+      </a:lnRef>
+      <a:fillRef idx="0">
+        <a:scrgbClr r="0" g="0" b="0"/>
+      </a:fillRef>
+      <a:effectRef idx="0">
+        <a:scrgbClr r="0" g="0" b="0"/>
+      </a:effectRef>
+      <a:fontRef idx="minor"/>
+    </dgm:style>
+  </dgm:styleLbl>
+  <dgm:styleLbl name="fgAcc1">
+    <dgm:scene3d>
+      <a:camera prst="orthographicFront"/>
+      <a:lightRig rig="threePt" dir="t"/>
+    </dgm:scene3d>
+    <dgm:sp3d/>
+    <dgm:txPr/>
+    <dgm:style>
+      <a:lnRef idx="2">
+        <a:scrgbClr r="0" g="0" b="0"/>
+      </a:lnRef>
+      <a:fillRef idx="1">
+        <a:scrgbClr r="0" g="0" b="0"/>
+      </a:fillRef>
+      <a:effectRef idx="0">
+        <a:scrgbClr r="0" g="0" b="0"/>
+      </a:effectRef>
+      <a:fontRef idx="minor"/>
+    </dgm:style>
+  </dgm:styleLbl>
+  <dgm:styleLbl name="conFgAcc1">
+    <dgm:scene3d>
+      <a:camera prst="orthographicFront"/>
+      <a:lightRig rig="threePt" dir="t"/>
+    </dgm:scene3d>
+    <dgm:sp3d/>
+    <dgm:txPr/>
+    <dgm:style>
+      <a:lnRef idx="2">
+        <a:scrgbClr r="0" g="0" b="0"/>
+      </a:lnRef>
+      <a:fillRef idx="1">
+        <a:scrgbClr r="0" g="0" b="0"/>
+      </a:fillRef>
+      <a:effectRef idx="0">
+        <a:scrgbClr r="0" g="0" b="0"/>
+      </a:effectRef>
+      <a:fontRef idx="minor"/>
+    </dgm:style>
+  </dgm:styleLbl>
+  <dgm:styleLbl name="alignAcc1">
+    <dgm:scene3d>
+      <a:camera prst="orthographicFront"/>
+      <a:lightRig rig="threePt" dir="t"/>
+    </dgm:scene3d>
+    <dgm:sp3d/>
+    <dgm:txPr/>
+    <dgm:style>
+      <a:lnRef idx="2">
+        <a:scrgbClr r="0" g="0" b="0"/>
+      </a:lnRef>
+      <a:fillRef idx="1">
+        <a:scrgbClr r="0" g="0" b="0"/>
+      </a:fillRef>
+      <a:effectRef idx="0">
+        <a:scrgbClr r="0" g="0" b="0"/>
+      </a:effectRef>
+      <a:fontRef idx="minor"/>
+    </dgm:style>
+  </dgm:styleLbl>
+  <dgm:styleLbl name="trAlignAcc1">
+    <dgm:scene3d>
+      <a:camera prst="orthographicFront"/>
+      <a:lightRig rig="threePt" dir="t"/>
+    </dgm:scene3d>
+    <dgm:sp3d/>
+    <dgm:txPr/>
+    <dgm:style>
+      <a:lnRef idx="1">
+        <a:scrgbClr r="0" g="0" b="0"/>
+      </a:lnRef>
+      <a:fillRef idx="1">
+        <a:scrgbClr r="0" g="0" b="0"/>
+      </a:fillRef>
+      <a:effectRef idx="0">
+        <a:scrgbClr r="0" g="0" b="0"/>
+      </a:effectRef>
+      <a:fontRef idx="minor"/>
+    </dgm:style>
+  </dgm:styleLbl>
+  <dgm:styleLbl name="bgAcc1">
+    <dgm:scene3d>
+      <a:camera prst="orthographicFront"/>
+      <a:lightRig rig="threePt" dir="t"/>
+    </dgm:scene3d>
+    <dgm:sp3d/>
+    <dgm:txPr/>
+    <dgm:style>
+      <a:lnRef idx="2">
+        <a:scrgbClr r="0" g="0" b="0"/>
+      </a:lnRef>
+      <a:fillRef idx="1">
+        <a:scrgbClr r="0" g="0" b="0"/>
+      </a:fillRef>
+      <a:effectRef idx="0">
+        <a:scrgbClr r="0" g="0" b="0"/>
+      </a:effectRef>
+      <a:fontRef idx="minor"/>
+    </dgm:style>
+  </dgm:styleLbl>
+  <dgm:styleLbl name="solidFgAcc1">
+    <dgm:scene3d>
+      <a:camera prst="orthographicFront"/>
+      <a:lightRig rig="threePt" dir="t"/>
+    </dgm:scene3d>
+    <dgm:sp3d/>
+    <dgm:txPr/>
+    <dgm:style>
+      <a:lnRef idx="2">
+        <a:scrgbClr r="0" g="0" b="0"/>
+      </a:lnRef>
+      <a:fillRef idx="1">
+        <a:scrgbClr r="0" g="0" b="0"/>
+      </a:fillRef>
+      <a:effectRef idx="0">
+        <a:scrgbClr r="0" g="0" b="0"/>
+      </a:effectRef>
+      <a:fontRef idx="minor"/>
+    </dgm:style>
+  </dgm:styleLbl>
+  <dgm:styleLbl name="solidAlignAcc1">
+    <dgm:scene3d>
+      <a:camera prst="orthographicFront"/>
+      <a:lightRig rig="threePt" dir="t"/>
+    </dgm:scene3d>
+    <dgm:sp3d/>
+    <dgm:txPr/>
+    <dgm:style>
+      <a:lnRef idx="2">
+        <a:scrgbClr r="0" g="0" b="0"/>
+      </a:lnRef>
+      <a:fillRef idx="1">
+        <a:scrgbClr r="0" g="0" b="0"/>
+      </a:fillRef>
+      <a:effectRef idx="0">
+        <a:scrgbClr r="0" g="0" b="0"/>
+      </a:effectRef>
+      <a:fontRef idx="minor"/>
+    </dgm:style>
+  </dgm:styleLbl>
+  <dgm:styleLbl name="solidBgAcc1">
+    <dgm:scene3d>
+      <a:camera prst="orthographicFront"/>
+      <a:lightRig rig="threePt" dir="t"/>
+    </dgm:scene3d>
+    <dgm:sp3d/>
+    <dgm:txPr/>
+    <dgm:style>
+      <a:lnRef idx="2">
+        <a:scrgbClr r="0" g="0" b="0"/>
+      </a:lnRef>
+      <a:fillRef idx="1">
+        <a:scrgbClr r="0" g="0" b="0"/>
+      </a:fillRef>
+      <a:effectRef idx="0">
+        <a:scrgbClr r="0" g="0" b="0"/>
+      </a:effectRef>
+      <a:fontRef idx="minor"/>
+    </dgm:style>
+  </dgm:styleLbl>
+  <dgm:styleLbl name="fgAccFollowNode1">
+    <dgm:scene3d>
+      <a:camera prst="orthographicFront"/>
+      <a:lightRig rig="threePt" dir="t"/>
+    </dgm:scene3d>
+    <dgm:sp3d/>
+    <dgm:txPr/>
+    <dgm:style>
+      <a:lnRef idx="2">
+        <a:scrgbClr r="0" g="0" b="0"/>
+      </a:lnRef>
+      <a:fillRef idx="1">
+        <a:scrgbClr r="0" g="0" b="0"/>
+      </a:fillRef>
+      <a:effectRef idx="0">
+        <a:scrgbClr r="0" g="0" b="0"/>
+      </a:effectRef>
+      <a:fontRef idx="minor"/>
+    </dgm:style>
+  </dgm:styleLbl>
+  <dgm:styleLbl name="alignAccFollowNode1">
+    <dgm:scene3d>
+      <a:camera prst="orthographicFront"/>
+      <a:lightRig rig="threePt" dir="t"/>
+    </dgm:scene3d>
+    <dgm:sp3d/>
+    <dgm:txPr/>
+    <dgm:style>
+      <a:lnRef idx="2">
+        <a:scrgbClr r="0" g="0" b="0"/>
+      </a:lnRef>
+      <a:fillRef idx="1">
+        <a:scrgbClr r="0" g="0" b="0"/>
+      </a:fillRef>
+      <a:effectRef idx="0">
+        <a:scrgbClr r="0" g="0" b="0"/>
+      </a:effectRef>
+      <a:fontRef idx="minor"/>
+    </dgm:style>
+  </dgm:styleLbl>
+  <dgm:styleLbl name="bgAccFollowNode1">
+    <dgm:scene3d>
+      <a:camera prst="orthographicFront"/>
+      <a:lightRig rig="threePt" dir="t"/>
+    </dgm:scene3d>
+    <dgm:sp3d/>
+    <dgm:txPr/>
+    <dgm:style>
+      <a:lnRef idx="2">
+        <a:scrgbClr r="0" g="0" b="0"/>
+      </a:lnRef>
+      <a:fillRef idx="1">
+        <a:scrgbClr r="0" g="0" b="0"/>
+      </a:fillRef>
+      <a:effectRef idx="0">
+        <a:scrgbClr r="0" g="0" b="0"/>
+      </a:effectRef>
+      <a:fontRef idx="minor"/>
+    </dgm:style>
+  </dgm:styleLbl>
+  <dgm:styleLbl name="fgAcc0">
+    <dgm:scene3d>
+      <a:camera prst="orthographicFront"/>
+      <a:lightRig rig="threePt" dir="t"/>
+    </dgm:scene3d>
+    <dgm:sp3d/>
+    <dgm:txPr/>
+    <dgm:style>
+      <a:lnRef idx="2">
+        <a:scrgbClr r="0" g="0" b="0"/>
+      </a:lnRef>
+      <a:fillRef idx="1">
+        <a:scrgbClr r="0" g="0" b="0"/>
+      </a:fillRef>
+      <a:effectRef idx="0">
+        <a:scrgbClr r="0" g="0" b="0"/>
+      </a:effectRef>
+      <a:fontRef idx="minor"/>
+    </dgm:style>
+  </dgm:styleLbl>
+  <dgm:styleLbl name="fgAcc2">
+    <dgm:scene3d>
+      <a:camera prst="orthographicFront"/>
+      <a:lightRig rig="threePt" dir="t"/>
+    </dgm:scene3d>
+    <dgm:sp3d/>
+    <dgm:txPr/>
+    <dgm:style>
+      <a:lnRef idx="2">
+        <a:scrgbClr r="0" g="0" b="0"/>
+      </a:lnRef>
+      <a:fillRef idx="1">
+        <a:scrgbClr r="0" g="0" b="0"/>
+      </a:fillRef>
+      <a:effectRef idx="0">
+        <a:scrgbClr r="0" g="0" b="0"/>
+      </a:effectRef>
+      <a:fontRef idx="minor"/>
+    </dgm:style>
+  </dgm:styleLbl>
+  <dgm:styleLbl name="fgAcc3">
+    <dgm:scene3d>
+      <a:camera prst="orthographicFront"/>
+      <a:lightRig rig="threePt" dir="t"/>
+    </dgm:scene3d>
+    <dgm:sp3d/>
+    <dgm:txPr/>
+    <dgm:style>
+      <a:lnRef idx="2">
+        <a:scrgbClr r="0" g="0" b="0"/>
+      </a:lnRef>
+      <a:fillRef idx="1">
+        <a:scrgbClr r="0" g="0" b="0"/>
+      </a:fillRef>
+      <a:effectRef idx="0">
+        <a:scrgbClr r="0" g="0" b="0"/>
+      </a:effectRef>
+      <a:fontRef idx="minor"/>
+    </dgm:style>
+  </dgm:styleLbl>
+  <dgm:styleLbl name="fgAcc4">
+    <dgm:scene3d>
+      <a:camera prst="orthographicFront"/>
+      <a:lightRig rig="threePt" dir="t"/>
+    </dgm:scene3d>
+    <dgm:sp3d/>
+    <dgm:txPr/>
+    <dgm:style>
+      <a:lnRef idx="2">
+        <a:scrgbClr r="0" g="0" b="0"/>
+      </a:lnRef>
+      <a:fillRef idx="1">
+        <a:scrgbClr r="0" g="0" b="0"/>
+      </a:fillRef>
+      <a:effectRef idx="0">
+        <a:scrgbClr r="0" g="0" b="0"/>
+      </a:effectRef>
+      <a:fontRef idx="minor"/>
+    </dgm:style>
+  </dgm:styleLbl>
+  <dgm:styleLbl name="bgShp">
+    <dgm:scene3d>
+      <a:camera prst="orthographicFront"/>
+      <a:lightRig rig="threePt" dir="t"/>
+    </dgm:scene3d>
+    <dgm:sp3d/>
+    <dgm:txPr/>
+    <dgm:style>
+      <a:lnRef idx="0">
+        <a:scrgbClr r="0" g="0" b="0"/>
+      </a:lnRef>
+      <a:fillRef idx="1">
+        <a:scrgbClr r="0" g="0" b="0"/>
+      </a:fillRef>
+      <a:effectRef idx="0">
+        <a:scrgbClr r="0" g="0" b="0"/>
+      </a:effectRef>
+      <a:fontRef idx="minor"/>
+    </dgm:style>
+  </dgm:styleLbl>
+  <dgm:styleLbl name="dkBgShp">
+    <dgm:scene3d>
+      <a:camera prst="orthographicFront"/>
+      <a:lightRig rig="threePt" dir="t"/>
+    </dgm:scene3d>
+    <dgm:sp3d/>
+    <dgm:txPr/>
+    <dgm:style>
+      <a:lnRef idx="0">
+        <a:scrgbClr r="0" g="0" b="0"/>
+      </a:lnRef>
+      <a:fillRef idx="1">
+        <a:scrgbClr r="0" g="0" b="0"/>
+      </a:fillRef>
+      <a:effectRef idx="0">
+        <a:scrgbClr r="0" g="0" b="0"/>
+      </a:effectRef>
+      <a:fontRef idx="minor"/>
+    </dgm:style>
+  </dgm:styleLbl>
+  <dgm:styleLbl name="trBgShp">
+    <dgm:scene3d>
+      <a:camera prst="orthographicFront"/>
+      <a:lightRig rig="threePt" dir="t"/>
+    </dgm:scene3d>
+    <dgm:sp3d/>
+    <dgm:txPr/>
+    <dgm:style>
+      <a:lnRef idx="0">
+        <a:scrgbClr r="0" g="0" b="0"/>
+      </a:lnRef>
+      <a:fillRef idx="1">
+        <a:scrgbClr r="0" g="0" b="0"/>
+      </a:fillRef>
+      <a:effectRef idx="0">
+        <a:scrgbClr r="0" g="0" b="0"/>
+      </a:effectRef>
+      <a:fontRef idx="minor"/>
+    </dgm:style>
+  </dgm:styleLbl>
+  <dgm:styleLbl name="fgShp">
+    <dgm:scene3d>
+      <a:camera prst="orthographicFront"/>
+      <a:lightRig rig="threePt" dir="t"/>
+    </dgm:scene3d>
+    <dgm:sp3d/>
+    <dgm:txPr/>
+    <dgm:style>
+      <a:lnRef idx="2">
+        <a:scrgbClr r="0" g="0" b="0"/>
+      </a:lnRef>
+      <a:fillRef idx="1">
+        <a:scrgbClr r="0" g="0" b="0"/>
+      </a:fillRef>
+      <a:effectRef idx="0">
+        <a:scrgbClr r="0" g="0" b="0"/>
+      </a:effectRef>
+      <a:fontRef idx="minor"/>
+    </dgm:style>
+  </dgm:styleLbl>
+  <dgm:styleLbl name="revTx">
+    <dgm:scene3d>
+      <a:camera prst="orthographicFront"/>
+      <a:lightRig rig="threePt" dir="t"/>
+    </dgm:scene3d>
+    <dgm:sp3d/>
+    <dgm:txPr/>
+    <dgm:style>
+      <a:lnRef idx="0">
+        <a:scrgbClr r="0" g="0" b="0"/>
+      </a:lnRef>
+      <a:fillRef idx="0">
+        <a:scrgbClr r="0" g="0" b="0"/>
+      </a:fillRef>
+      <a:effectRef idx="0">
+        <a:scrgbClr r="0" g="0" b="0"/>
+      </a:effectRef>
+      <a:fontRef idx="minor"/>
+    </dgm:style>
+  </dgm:styleLbl>
+</dgm:styleDef>
 </file>
 
 <file path=ppt/slideLayouts/slideLayout1.xml><?xml version="1.0" encoding="utf-8"?>
@@ -3342,11 +5667,13 @@
         </p:nvSpPr>
         <p:spPr/>
         <p:txBody>
-          <a:bodyPr/>
+          <a:bodyPr>
+            <a:normAutofit/>
+          </a:bodyPr>
           <a:lstStyle/>
           <a:p>
             <a:r>
-              <a:rPr lang="en-US" dirty="0"/>
+              <a:rPr lang="en-US" sz="7200" dirty="0"/>
               <a:t>Introduction</a:t>
             </a:r>
           </a:p>
@@ -3370,10 +5697,24 @@
         </p:nvSpPr>
         <p:spPr/>
         <p:txBody>
-          <a:bodyPr/>
+          <a:bodyPr>
+            <a:noAutofit/>
+          </a:bodyPr>
           <a:lstStyle/>
           <a:p>
-            <a:endParaRPr lang="en-US"/>
+            <a:r>
+              <a:rPr lang="en-US" sz="4000" b="1" u="sng" dirty="0">
+                <a:hlinkClick r:id="rId2"/>
+              </a:rPr>
+              <a:t>Linux-for-Genomics-Bangla-Tutorial</a:t>
+            </a:r>
+            <a:endParaRPr lang="en-US" sz="4000" dirty="0"/>
+          </a:p>
+          <a:p>
+            <a:br>
+              <a:rPr lang="en-US" sz="4000" dirty="0"/>
+            </a:br>
+            <a:endParaRPr lang="en-US" sz="4000" dirty="0"/>
           </a:p>
         </p:txBody>
       </p:sp>
@@ -3699,6 +6040,687 @@
   </p:cSld>
   <p:clrMapOvr>
     <a:masterClrMapping/>
+  </p:clrMapOvr>
+</p:sld>
+</file>
+
+<file path=ppt/slides/slide5.xml><?xml version="1.0" encoding="utf-8"?>
+<p:sld xmlns:a="http://schemas.openxmlformats.org/drawingml/2006/main" xmlns:r="http://schemas.openxmlformats.org/officeDocument/2006/relationships" xmlns:p="http://schemas.openxmlformats.org/presentationml/2006/main">
+  <p:cSld>
+    <p:spTree>
+      <p:nvGrpSpPr>
+        <p:cNvPr id="1" name=""/>
+        <p:cNvGrpSpPr/>
+        <p:nvPr/>
+      </p:nvGrpSpPr>
+      <p:grpSpPr>
+        <a:xfrm>
+          <a:off x="0" y="0"/>
+          <a:ext cx="0" cy="0"/>
+          <a:chOff x="0" y="0"/>
+          <a:chExt cx="0" cy="0"/>
+        </a:xfrm>
+      </p:grpSpPr>
+      <p:sp>
+        <p:nvSpPr>
+          <p:cNvPr id="2" name="Title 1">
+            <a:extLst>
+              <a:ext uri="{FF2B5EF4-FFF2-40B4-BE49-F238E27FC236}">
+                <a16:creationId xmlns:a16="http://schemas.microsoft.com/office/drawing/2014/main" id="{28C81402-6186-9D43-A828-95999E716B21}"/>
+              </a:ext>
+            </a:extLst>
+          </p:cNvPr>
+          <p:cNvSpPr>
+            <a:spLocks noGrp="1"/>
+          </p:cNvSpPr>
+          <p:nvPr>
+            <p:ph type="title"/>
+          </p:nvPr>
+        </p:nvSpPr>
+        <p:spPr/>
+        <p:txBody>
+          <a:bodyPr/>
+          <a:lstStyle/>
+          <a:p>
+            <a:endParaRPr lang="en-US"/>
+          </a:p>
+        </p:txBody>
+      </p:sp>
+      <p:sp>
+        <p:nvSpPr>
+          <p:cNvPr id="4" name="Content Placeholder 2">
+            <a:extLst>
+              <a:ext uri="{FF2B5EF4-FFF2-40B4-BE49-F238E27FC236}">
+                <a16:creationId xmlns:a16="http://schemas.microsoft.com/office/drawing/2014/main" id="{6C027700-B697-1640-8304-52C7E6189400}"/>
+              </a:ext>
+            </a:extLst>
+          </p:cNvPr>
+          <p:cNvSpPr>
+            <a:spLocks noGrp="1"/>
+          </p:cNvSpPr>
+          <p:nvPr>
+            <p:ph idx="1"/>
+          </p:nvPr>
+        </p:nvSpPr>
+        <p:spPr>
+          <a:xfrm>
+            <a:off x="838200" y="1825625"/>
+            <a:ext cx="10515600" cy="4351338"/>
+          </a:xfrm>
+        </p:spPr>
+        <p:txBody>
+          <a:bodyPr>
+            <a:normAutofit/>
+          </a:bodyPr>
+          <a:lstStyle/>
+          <a:p>
+            <a:r>
+              <a:rPr lang="en-US" sz="4400" dirty="0"/>
+              <a:t>Basic commands of bash/shell</a:t>
+            </a:r>
+          </a:p>
+          <a:p>
+            <a:r>
+              <a:rPr lang="en-US" sz="4400" dirty="0"/>
+              <a:t>Working with files</a:t>
+            </a:r>
+          </a:p>
+          <a:p>
+            <a:r>
+              <a:rPr lang="en-US" sz="4400" dirty="0"/>
+              <a:t>Making bash scripts</a:t>
+            </a:r>
+          </a:p>
+        </p:txBody>
+      </p:sp>
+    </p:spTree>
+    <p:extLst>
+      <p:ext uri="{BB962C8B-B14F-4D97-AF65-F5344CB8AC3E}">
+        <p14:creationId xmlns:p14="http://schemas.microsoft.com/office/powerpoint/2010/main" val="3140335623"/>
+      </p:ext>
+    </p:extLst>
+  </p:cSld>
+  <p:clrMapOvr>
+    <a:masterClrMapping/>
+  </p:clrMapOvr>
+</p:sld>
+</file>
+
+<file path=ppt/slides/slide6.xml><?xml version="1.0" encoding="utf-8"?>
+<p:sld xmlns:a="http://schemas.openxmlformats.org/drawingml/2006/main" xmlns:r="http://schemas.openxmlformats.org/officeDocument/2006/relationships" xmlns:p="http://schemas.openxmlformats.org/presentationml/2006/main">
+  <p:cSld>
+    <p:spTree>
+      <p:nvGrpSpPr>
+        <p:cNvPr id="1" name=""/>
+        <p:cNvGrpSpPr/>
+        <p:nvPr/>
+      </p:nvGrpSpPr>
+      <p:grpSpPr>
+        <a:xfrm>
+          <a:off x="0" y="0"/>
+          <a:ext cx="0" cy="0"/>
+          <a:chOff x="0" y="0"/>
+          <a:chExt cx="0" cy="0"/>
+        </a:xfrm>
+      </p:grpSpPr>
+      <p:sp>
+        <p:nvSpPr>
+          <p:cNvPr id="8" name="Content Placeholder 2">
+            <a:extLst>
+              <a:ext uri="{FF2B5EF4-FFF2-40B4-BE49-F238E27FC236}">
+                <a16:creationId xmlns:a16="http://schemas.microsoft.com/office/drawing/2014/main" id="{73BDEAD9-4DAC-1846-9273-D480C975A779}"/>
+              </a:ext>
+            </a:extLst>
+          </p:cNvPr>
+          <p:cNvSpPr>
+            <a:spLocks noGrp="1"/>
+          </p:cNvSpPr>
+          <p:nvPr>
+            <p:ph idx="1"/>
+          </p:nvPr>
+        </p:nvSpPr>
+        <p:spPr>
+          <a:xfrm>
+            <a:off x="838200" y="1825625"/>
+            <a:ext cx="10515600" cy="4351338"/>
+          </a:xfrm>
+        </p:spPr>
+        <p:txBody>
+          <a:bodyPr>
+            <a:normAutofit/>
+          </a:bodyPr>
+          <a:lstStyle/>
+          <a:p>
+            <a:pPr marL="0" indent="0" algn="ctr">
+              <a:buNone/>
+            </a:pPr>
+            <a:r>
+              <a:rPr lang="en-CA" sz="3600" dirty="0"/>
+              <a:t>Rashedul Islam (Rony)</a:t>
+            </a:r>
+          </a:p>
+          <a:p>
+            <a:pPr marL="0" indent="0" algn="ctr">
+              <a:buNone/>
+            </a:pPr>
+            <a:r>
+              <a:rPr lang="en-CA" sz="3600" dirty="0"/>
+              <a:t>Email: </a:t>
+            </a:r>
+            <a:r>
+              <a:rPr lang="en-CA" sz="3600" dirty="0">
+                <a:hlinkClick r:id="rId2"/>
+              </a:rPr>
+              <a:t>Rashedul.gen@gmail.com</a:t>
+            </a:r>
+            <a:endParaRPr lang="en-CA" sz="3600" dirty="0"/>
+          </a:p>
+          <a:p>
+            <a:pPr marL="0" indent="0" algn="ctr">
+              <a:buNone/>
+            </a:pPr>
+            <a:r>
+              <a:rPr lang="en-CA" sz="3600" dirty="0"/>
+              <a:t>Website: </a:t>
+            </a:r>
+            <a:r>
+              <a:rPr lang="en-CA" sz="3600" dirty="0" err="1"/>
+              <a:t>rashedul.net</a:t>
+            </a:r>
+            <a:endParaRPr lang="en-CA" sz="3600" dirty="0"/>
+          </a:p>
+          <a:p>
+            <a:pPr marL="0" indent="0" algn="ctr">
+              <a:buNone/>
+            </a:pPr>
+            <a:endParaRPr lang="en-CA" sz="3600" dirty="0"/>
+          </a:p>
+          <a:p>
+            <a:pPr marL="0" indent="0" algn="ctr">
+              <a:buNone/>
+            </a:pPr>
+            <a:r>
+              <a:rPr lang="en-CA" sz="3600" dirty="0"/>
+              <a:t>For discussion join our bioinformatics </a:t>
+            </a:r>
+            <a:r>
+              <a:rPr lang="en-CA" sz="3600" dirty="0" err="1"/>
+              <a:t>facebook</a:t>
+            </a:r>
+            <a:r>
+              <a:rPr lang="en-CA" sz="3600" dirty="0"/>
+              <a:t> group: </a:t>
+            </a:r>
+            <a:r>
+              <a:rPr lang="en-US" sz="3600" dirty="0">
+                <a:hlinkClick r:id="rId3"/>
+              </a:rPr>
+              <a:t>Bioinformatics School (</a:t>
+            </a:r>
+            <a:r>
+              <a:rPr lang="bn-IN" sz="3600" dirty="0">
+                <a:hlinkClick r:id="rId3"/>
+              </a:rPr>
+              <a:t>বায়োইনফরমেটিক্স স্কুল)</a:t>
+            </a:r>
+            <a:endParaRPr lang="bn-IN" sz="3600" dirty="0"/>
+          </a:p>
+        </p:txBody>
+      </p:sp>
+    </p:spTree>
+    <p:extLst>
+      <p:ext uri="{BB962C8B-B14F-4D97-AF65-F5344CB8AC3E}">
+        <p14:creationId xmlns:p14="http://schemas.microsoft.com/office/powerpoint/2010/main" val="3939673740"/>
+      </p:ext>
+    </p:extLst>
+  </p:cSld>
+  <p:clrMapOvr>
+    <a:masterClrMapping/>
+  </p:clrMapOvr>
+</p:sld>
+</file>
+
+<file path=ppt/slides/slide7.xml><?xml version="1.0" encoding="utf-8"?>
+<p:sld xmlns:a="http://schemas.openxmlformats.org/drawingml/2006/main" xmlns:r="http://schemas.openxmlformats.org/officeDocument/2006/relationships" xmlns:p="http://schemas.openxmlformats.org/presentationml/2006/main">
+  <p:cSld>
+    <p:bg>
+      <p:bgPr>
+        <a:solidFill>
+          <a:schemeClr val="bg1"/>
+        </a:solidFill>
+        <a:effectLst/>
+      </p:bgPr>
+    </p:bg>
+    <p:spTree>
+      <p:nvGrpSpPr>
+        <p:cNvPr id="1" name=""/>
+        <p:cNvGrpSpPr/>
+        <p:nvPr/>
+      </p:nvGrpSpPr>
+      <p:grpSpPr>
+        <a:xfrm>
+          <a:off x="0" y="0"/>
+          <a:ext cx="0" cy="0"/>
+          <a:chOff x="0" y="0"/>
+          <a:chExt cx="0" cy="0"/>
+        </a:xfrm>
+      </p:grpSpPr>
+      <p:sp>
+        <p:nvSpPr>
+          <p:cNvPr id="36" name="Rectangle 35">
+            <a:extLst>
+              <a:ext uri="{FF2B5EF4-FFF2-40B4-BE49-F238E27FC236}">
+                <a16:creationId xmlns:a16="http://schemas.microsoft.com/office/drawing/2014/main" id="{9A297797-5C89-4791-8204-AB071FA1FBCA}"/>
+              </a:ext>
+              <a:ext uri="{C183D7F6-B498-43B3-948B-1728B52AA6E4}">
+                <adec:decorative xmlns:adec="http://schemas.microsoft.com/office/drawing/2017/decorative" val="1"/>
+              </a:ext>
+            </a:extLst>
+          </p:cNvPr>
+          <p:cNvSpPr>
+            <a:spLocks noGrp="1" noRot="1" noChangeAspect="1" noMove="1" noResize="1" noEditPoints="1" noAdjustHandles="1" noChangeArrowheads="1" noChangeShapeType="1" noTextEdit="1"/>
+          </p:cNvSpPr>
+          <p:nvPr>
+            <p:extLst>
+              <p:ext uri="{386F3935-93C4-4BCD-93E2-E3B085C9AB24}">
+                <p16:designElem xmlns:p16="http://schemas.microsoft.com/office/powerpoint/2015/main" val="1"/>
+              </p:ext>
+            </p:extLst>
+          </p:nvPr>
+        </p:nvSpPr>
+        <p:spPr>
+          <a:xfrm>
+            <a:off x="0" y="0"/>
+            <a:ext cx="12192000" cy="6858000"/>
+          </a:xfrm>
+          <a:prstGeom prst="rect">
+            <a:avLst/>
+          </a:prstGeom>
+          <a:solidFill>
+            <a:schemeClr val="bg1"/>
+          </a:solidFill>
+          <a:ln>
+            <a:noFill/>
+          </a:ln>
+        </p:spPr>
+        <p:style>
+          <a:lnRef idx="2">
+            <a:schemeClr val="accent1">
+              <a:shade val="50000"/>
+            </a:schemeClr>
+          </a:lnRef>
+          <a:fillRef idx="1">
+            <a:schemeClr val="accent1"/>
+          </a:fillRef>
+          <a:effectRef idx="0">
+            <a:schemeClr val="accent1"/>
+          </a:effectRef>
+          <a:fontRef idx="minor">
+            <a:schemeClr val="lt1"/>
+          </a:fontRef>
+        </p:style>
+        <p:txBody>
+          <a:bodyPr rtlCol="0" anchor="ctr"/>
+          <a:lstStyle/>
+          <a:p>
+            <a:pPr algn="ctr"/>
+            <a:endParaRPr lang="en-US" dirty="0"/>
+          </a:p>
+        </p:txBody>
+      </p:sp>
+      <p:sp>
+        <p:nvSpPr>
+          <p:cNvPr id="38" name="Freeform: Shape 37">
+            <a:extLst>
+              <a:ext uri="{FF2B5EF4-FFF2-40B4-BE49-F238E27FC236}">
+                <a16:creationId xmlns:a16="http://schemas.microsoft.com/office/drawing/2014/main" id="{569BBA9B-8F4E-4D2B-BEFA-41A475443377}"/>
+              </a:ext>
+              <a:ext uri="{C183D7F6-B498-43B3-948B-1728B52AA6E4}">
+                <adec:decorative xmlns:adec="http://schemas.microsoft.com/office/drawing/2017/decorative" val="1"/>
+              </a:ext>
+            </a:extLst>
+          </p:cNvPr>
+          <p:cNvSpPr>
+            <a:spLocks noGrp="1" noRot="1" noChangeAspect="1" noMove="1" noResize="1" noEditPoints="1" noAdjustHandles="1" noChangeArrowheads="1" noChangeShapeType="1" noTextEdit="1"/>
+          </p:cNvSpPr>
+          <p:nvPr>
+            <p:extLst>
+              <p:ext uri="{386F3935-93C4-4BCD-93E2-E3B085C9AB24}">
+                <p16:designElem xmlns:p16="http://schemas.microsoft.com/office/powerpoint/2015/main" val="1"/>
+              </p:ext>
+            </p:extLst>
+          </p:nvPr>
+        </p:nvSpPr>
+        <p:spPr>
+          <a:xfrm rot="2700000">
+            <a:off x="-415188" y="-231223"/>
+            <a:ext cx="1409491" cy="1876653"/>
+          </a:xfrm>
+          <a:custGeom>
+            <a:avLst/>
+            <a:gdLst>
+              <a:gd name="connsiteX0" fmla="*/ 0 w 1409491"/>
+              <a:gd name="connsiteY0" fmla="*/ 643075 h 1876653"/>
+              <a:gd name="connsiteX1" fmla="*/ 643075 w 1409491"/>
+              <a:gd name="connsiteY1" fmla="*/ 0 h 1876653"/>
+              <a:gd name="connsiteX2" fmla="*/ 1409491 w 1409491"/>
+              <a:gd name="connsiteY2" fmla="*/ 0 h 1876653"/>
+              <a:gd name="connsiteX3" fmla="*/ 1409491 w 1409491"/>
+              <a:gd name="connsiteY3" fmla="*/ 1876653 h 1876653"/>
+              <a:gd name="connsiteX4" fmla="*/ 1233578 w 1409491"/>
+              <a:gd name="connsiteY4" fmla="*/ 1876653 h 1876653"/>
+            </a:gdLst>
+            <a:ahLst/>
+            <a:cxnLst>
+              <a:cxn ang="0">
+                <a:pos x="connsiteX0" y="connsiteY0"/>
+              </a:cxn>
+              <a:cxn ang="0">
+                <a:pos x="connsiteX1" y="connsiteY1"/>
+              </a:cxn>
+              <a:cxn ang="0">
+                <a:pos x="connsiteX2" y="connsiteY2"/>
+              </a:cxn>
+              <a:cxn ang="0">
+                <a:pos x="connsiteX3" y="connsiteY3"/>
+              </a:cxn>
+              <a:cxn ang="0">
+                <a:pos x="connsiteX4" y="connsiteY4"/>
+              </a:cxn>
+            </a:cxnLst>
+            <a:rect l="l" t="t" r="r" b="b"/>
+            <a:pathLst>
+              <a:path w="1409491" h="1876653">
+                <a:moveTo>
+                  <a:pt x="0" y="643075"/>
+                </a:moveTo>
+                <a:lnTo>
+                  <a:pt x="643075" y="0"/>
+                </a:lnTo>
+                <a:lnTo>
+                  <a:pt x="1409491" y="0"/>
+                </a:lnTo>
+                <a:lnTo>
+                  <a:pt x="1409491" y="1876653"/>
+                </a:lnTo>
+                <a:lnTo>
+                  <a:pt x="1233578" y="1876653"/>
+                </a:lnTo>
+                <a:close/>
+              </a:path>
+            </a:pathLst>
+          </a:custGeom>
+          <a:solidFill>
+            <a:schemeClr val="accent1">
+              <a:alpha val="30000"/>
+            </a:schemeClr>
+          </a:solidFill>
+          <a:ln>
+            <a:noFill/>
+          </a:ln>
+        </p:spPr>
+        <p:style>
+          <a:lnRef idx="2">
+            <a:schemeClr val="accent1">
+              <a:shade val="50000"/>
+            </a:schemeClr>
+          </a:lnRef>
+          <a:fillRef idx="1">
+            <a:schemeClr val="accent1"/>
+          </a:fillRef>
+          <a:effectRef idx="0">
+            <a:schemeClr val="accent1"/>
+          </a:effectRef>
+          <a:fontRef idx="minor">
+            <a:schemeClr val="lt1"/>
+          </a:fontRef>
+        </p:style>
+        <p:txBody>
+          <a:bodyPr rtlCol="0" anchor="ctr"/>
+          <a:lstStyle/>
+          <a:p>
+            <a:pPr algn="ctr"/>
+            <a:endParaRPr lang="en-US"/>
+          </a:p>
+        </p:txBody>
+      </p:sp>
+      <p:sp>
+        <p:nvSpPr>
+          <p:cNvPr id="40" name="Rectangle 39">
+            <a:extLst>
+              <a:ext uri="{FF2B5EF4-FFF2-40B4-BE49-F238E27FC236}">
+                <a16:creationId xmlns:a16="http://schemas.microsoft.com/office/drawing/2014/main" id="{851012D1-8033-40B1-9EC0-91390FFC7403}"/>
+              </a:ext>
+              <a:ext uri="{C183D7F6-B498-43B3-948B-1728B52AA6E4}">
+                <adec:decorative xmlns:adec="http://schemas.microsoft.com/office/drawing/2017/decorative" val="1"/>
+              </a:ext>
+            </a:extLst>
+          </p:cNvPr>
+          <p:cNvSpPr>
+            <a:spLocks noGrp="1" noRot="1" noChangeAspect="1" noMove="1" noResize="1" noEditPoints="1" noAdjustHandles="1" noChangeArrowheads="1" noChangeShapeType="1" noTextEdit="1"/>
+          </p:cNvSpPr>
+          <p:nvPr>
+            <p:extLst>
+              <p:ext uri="{386F3935-93C4-4BCD-93E2-E3B085C9AB24}">
+                <p16:designElem xmlns:p16="http://schemas.microsoft.com/office/powerpoint/2015/main" val="1"/>
+              </p:ext>
+            </p:extLst>
+          </p:nvPr>
+        </p:nvSpPr>
+        <p:spPr>
+          <a:xfrm rot="2700000">
+            <a:off x="301285" y="1282788"/>
+            <a:ext cx="485578" cy="485578"/>
+          </a:xfrm>
+          <a:prstGeom prst="rect">
+            <a:avLst/>
+          </a:prstGeom>
+          <a:solidFill>
+            <a:schemeClr val="accent1">
+              <a:alpha val="30000"/>
+            </a:schemeClr>
+          </a:solidFill>
+          <a:ln>
+            <a:noFill/>
+          </a:ln>
+        </p:spPr>
+        <p:style>
+          <a:lnRef idx="2">
+            <a:schemeClr val="accent1">
+              <a:shade val="50000"/>
+            </a:schemeClr>
+          </a:lnRef>
+          <a:fillRef idx="1">
+            <a:schemeClr val="accent1"/>
+          </a:fillRef>
+          <a:effectRef idx="0">
+            <a:schemeClr val="accent1"/>
+          </a:effectRef>
+          <a:fontRef idx="minor">
+            <a:schemeClr val="lt1"/>
+          </a:fontRef>
+        </p:style>
+        <p:txBody>
+          <a:bodyPr rtlCol="0" anchor="ctr"/>
+          <a:lstStyle/>
+          <a:p>
+            <a:pPr algn="ctr"/>
+            <a:endParaRPr lang="en-US"/>
+          </a:p>
+        </p:txBody>
+      </p:sp>
+      <p:sp>
+        <p:nvSpPr>
+          <p:cNvPr id="42" name="Rectangle 41">
+            <a:extLst>
+              <a:ext uri="{FF2B5EF4-FFF2-40B4-BE49-F238E27FC236}">
+                <a16:creationId xmlns:a16="http://schemas.microsoft.com/office/drawing/2014/main" id="{2E80C965-DB6D-4F81-9E9E-B027384D0BD6}"/>
+              </a:ext>
+              <a:ext uri="{C183D7F6-B498-43B3-948B-1728B52AA6E4}">
+                <adec:decorative xmlns:adec="http://schemas.microsoft.com/office/drawing/2017/decorative" val="1"/>
+              </a:ext>
+            </a:extLst>
+          </p:cNvPr>
+          <p:cNvSpPr>
+            <a:spLocks noGrp="1" noRot="1" noChangeAspect="1" noMove="1" noResize="1" noEditPoints="1" noAdjustHandles="1" noChangeArrowheads="1" noChangeShapeType="1" noTextEdit="1"/>
+          </p:cNvSpPr>
+          <p:nvPr>
+            <p:extLst>
+              <p:ext uri="{386F3935-93C4-4BCD-93E2-E3B085C9AB24}">
+                <p16:designElem xmlns:p16="http://schemas.microsoft.com/office/powerpoint/2015/main" val="1"/>
+              </p:ext>
+            </p:extLst>
+          </p:nvPr>
+        </p:nvSpPr>
+        <p:spPr>
+          <a:xfrm rot="2700000">
+            <a:off x="8809436" y="6033666"/>
+            <a:ext cx="645368" cy="645368"/>
+          </a:xfrm>
+          <a:prstGeom prst="rect">
+            <a:avLst/>
+          </a:prstGeom>
+          <a:solidFill>
+            <a:schemeClr val="accent4">
+              <a:alpha val="30000"/>
+            </a:schemeClr>
+          </a:solidFill>
+          <a:ln>
+            <a:noFill/>
+          </a:ln>
+        </p:spPr>
+        <p:style>
+          <a:lnRef idx="2">
+            <a:schemeClr val="accent1">
+              <a:shade val="50000"/>
+            </a:schemeClr>
+          </a:lnRef>
+          <a:fillRef idx="1">
+            <a:schemeClr val="accent1"/>
+          </a:fillRef>
+          <a:effectRef idx="0">
+            <a:schemeClr val="accent1"/>
+          </a:effectRef>
+          <a:fontRef idx="minor">
+            <a:schemeClr val="lt1"/>
+          </a:fontRef>
+        </p:style>
+        <p:txBody>
+          <a:bodyPr rtlCol="0" anchor="ctr"/>
+          <a:lstStyle/>
+          <a:p>
+            <a:pPr algn="ctr"/>
+            <a:endParaRPr lang="en-US"/>
+          </a:p>
+        </p:txBody>
+      </p:sp>
+      <p:sp>
+        <p:nvSpPr>
+          <p:cNvPr id="44" name="Isosceles Triangle 43">
+            <a:extLst>
+              <a:ext uri="{FF2B5EF4-FFF2-40B4-BE49-F238E27FC236}">
+                <a16:creationId xmlns:a16="http://schemas.microsoft.com/office/drawing/2014/main" id="{D291F021-C45C-4D44-A2B8-A789E386CC42}"/>
+              </a:ext>
+              <a:ext uri="{C183D7F6-B498-43B3-948B-1728B52AA6E4}">
+                <adec:decorative xmlns:adec="http://schemas.microsoft.com/office/drawing/2017/decorative" val="1"/>
+              </a:ext>
+            </a:extLst>
+          </p:cNvPr>
+          <p:cNvSpPr>
+            <a:spLocks noGrp="1" noRot="1" noChangeAspect="1" noMove="1" noResize="1" noEditPoints="1" noAdjustHandles="1" noChangeArrowheads="1" noChangeShapeType="1" noTextEdit="1"/>
+          </p:cNvSpPr>
+          <p:nvPr>
+            <p:extLst>
+              <p:ext uri="{386F3935-93C4-4BCD-93E2-E3B085C9AB24}">
+                <p16:designElem xmlns:p16="http://schemas.microsoft.com/office/powerpoint/2015/main" val="1"/>
+              </p:ext>
+            </p:extLst>
+          </p:nvPr>
+        </p:nvSpPr>
+        <p:spPr>
+          <a:xfrm>
+            <a:off x="8603444" y="5721108"/>
+            <a:ext cx="2261965" cy="1136891"/>
+          </a:xfrm>
+          <a:prstGeom prst="triangle">
+            <a:avLst>
+              <a:gd name="adj" fmla="val 50000"/>
+            </a:avLst>
+          </a:prstGeom>
+          <a:solidFill>
+            <a:schemeClr val="accent4">
+              <a:alpha val="30000"/>
+            </a:schemeClr>
+          </a:solidFill>
+          <a:ln>
+            <a:noFill/>
+          </a:ln>
+        </p:spPr>
+        <p:style>
+          <a:lnRef idx="2">
+            <a:schemeClr val="accent1">
+              <a:shade val="50000"/>
+            </a:schemeClr>
+          </a:lnRef>
+          <a:fillRef idx="1">
+            <a:schemeClr val="accent1"/>
+          </a:fillRef>
+          <a:effectRef idx="0">
+            <a:schemeClr val="accent1"/>
+          </a:effectRef>
+          <a:fontRef idx="minor">
+            <a:schemeClr val="lt1"/>
+          </a:fontRef>
+        </p:style>
+        <p:txBody>
+          <a:bodyPr rtlCol="0" anchor="ctr"/>
+          <a:lstStyle/>
+          <a:p>
+            <a:pPr algn="ctr"/>
+            <a:endParaRPr lang="en-US"/>
+          </a:p>
+        </p:txBody>
+      </p:sp>
+      <p:graphicFrame>
+        <p:nvGraphicFramePr>
+          <p:cNvPr id="31" name="Content Placeholder 2">
+            <a:extLst>
+              <a:ext uri="{FF2B5EF4-FFF2-40B4-BE49-F238E27FC236}">
+                <a16:creationId xmlns:a16="http://schemas.microsoft.com/office/drawing/2014/main" id="{E3DF8B43-14BC-422B-BE34-C5A1A6670372}"/>
+              </a:ext>
+            </a:extLst>
+          </p:cNvPr>
+          <p:cNvGraphicFramePr>
+            <a:graphicFrameLocks noGrp="1"/>
+          </p:cNvGraphicFramePr>
+          <p:nvPr>
+            <p:ph idx="1"/>
+            <p:extLst>
+              <p:ext uri="{D42A27DB-BD31-4B8C-83A1-F6EECF244321}">
+                <p14:modId xmlns:p14="http://schemas.microsoft.com/office/powerpoint/2010/main" val="3391381241"/>
+              </p:ext>
+            </p:extLst>
+          </p:nvPr>
+        </p:nvGraphicFramePr>
+        <p:xfrm>
+          <a:off x="1759700" y="282576"/>
+          <a:ext cx="9544417" cy="5572125"/>
+        </p:xfrm>
+        <a:graphic>
+          <a:graphicData uri="http://schemas.openxmlformats.org/drawingml/2006/diagram">
+            <dgm:relIds xmlns:dgm="http://schemas.openxmlformats.org/drawingml/2006/diagram" xmlns:r="http://schemas.openxmlformats.org/officeDocument/2006/relationships" r:dm="rId2" r:lo="rId3" r:qs="rId4" r:cs="rId5"/>
+          </a:graphicData>
+        </a:graphic>
+      </p:graphicFrame>
+    </p:spTree>
+    <p:extLst>
+      <p:ext uri="{BB962C8B-B14F-4D97-AF65-F5344CB8AC3E}">
+        <p14:creationId xmlns:p14="http://schemas.microsoft.com/office/powerpoint/2010/main" val="433147251"/>
+      </p:ext>
+    </p:extLst>
+  </p:cSld>
+  <p:clrMapOvr>
+    <a:overrideClrMapping bg1="lt1" tx1="dk1" bg2="lt2" tx2="dk2" accent1="accent1" accent2="accent2" accent3="accent3" accent4="accent4" accent5="accent5" accent6="accent6" hlink="hlink" folHlink="folHlink"/>
   </p:clrMapOvr>
 </p:sld>
 </file>

--- a/files/slides.pptx
+++ b/files/slides.pptx
@@ -12,6 +12,8 @@
     <p:sldId id="262" r:id="rId6"/>
     <p:sldId id="260" r:id="rId7"/>
     <p:sldId id="261" r:id="rId8"/>
+    <p:sldId id="263" r:id="rId9"/>
+    <p:sldId id="264" r:id="rId10"/>
   </p:sldIdLst>
   <p:sldSz cx="12192000" cy="6858000"/>
   <p:notesSz cx="6858000" cy="9144000"/>
@@ -1083,8 +1085,8 @@
       </dsp:nvSpPr>
       <dsp:spPr>
         <a:xfrm>
-          <a:off x="0" y="846787"/>
-          <a:ext cx="9544417" cy="3878550"/>
+          <a:off x="0" y="770737"/>
+          <a:ext cx="9544417" cy="4030650"/>
         </a:xfrm>
         <a:prstGeom prst="roundRect">
           <a:avLst/>
@@ -1226,8 +1228,8 @@
         </a:p>
       </dsp:txBody>
       <dsp:txXfrm>
-        <a:off x="189335" y="1036122"/>
-        <a:ext cx="9165747" cy="3499880"/>
+        <a:off x="196760" y="967497"/>
+        <a:ext cx="9150897" cy="3637130"/>
       </dsp:txXfrm>
     </dsp:sp>
   </dsp:spTree>
@@ -2582,7 +2584,7 @@
           <a:p>
             <a:fld id="{13E511B9-4906-6348-BBC5-38C548EDAD84}" type="datetimeFigureOut">
               <a:rPr lang="en-US" smtClean="0"/>
-              <a:t>5/13/20</a:t>
+              <a:t>5/17/20</a:t>
             </a:fld>
             <a:endParaRPr lang="en-US"/>
           </a:p>
@@ -2780,7 +2782,7 @@
           <a:p>
             <a:fld id="{13E511B9-4906-6348-BBC5-38C548EDAD84}" type="datetimeFigureOut">
               <a:rPr lang="en-US" smtClean="0"/>
-              <a:t>5/13/20</a:t>
+              <a:t>5/17/20</a:t>
             </a:fld>
             <a:endParaRPr lang="en-US"/>
           </a:p>
@@ -2988,7 +2990,7 @@
           <a:p>
             <a:fld id="{13E511B9-4906-6348-BBC5-38C548EDAD84}" type="datetimeFigureOut">
               <a:rPr lang="en-US" smtClean="0"/>
-              <a:t>5/13/20</a:t>
+              <a:t>5/17/20</a:t>
             </a:fld>
             <a:endParaRPr lang="en-US"/>
           </a:p>
@@ -3186,7 +3188,7 @@
           <a:p>
             <a:fld id="{13E511B9-4906-6348-BBC5-38C548EDAD84}" type="datetimeFigureOut">
               <a:rPr lang="en-US" smtClean="0"/>
-              <a:t>5/13/20</a:t>
+              <a:t>5/17/20</a:t>
             </a:fld>
             <a:endParaRPr lang="en-US"/>
           </a:p>
@@ -3461,7 +3463,7 @@
           <a:p>
             <a:fld id="{13E511B9-4906-6348-BBC5-38C548EDAD84}" type="datetimeFigureOut">
               <a:rPr lang="en-US" smtClean="0"/>
-              <a:t>5/13/20</a:t>
+              <a:t>5/17/20</a:t>
             </a:fld>
             <a:endParaRPr lang="en-US"/>
           </a:p>
@@ -3726,7 +3728,7 @@
           <a:p>
             <a:fld id="{13E511B9-4906-6348-BBC5-38C548EDAD84}" type="datetimeFigureOut">
               <a:rPr lang="en-US" smtClean="0"/>
-              <a:t>5/13/20</a:t>
+              <a:t>5/17/20</a:t>
             </a:fld>
             <a:endParaRPr lang="en-US"/>
           </a:p>
@@ -4138,7 +4140,7 @@
           <a:p>
             <a:fld id="{13E511B9-4906-6348-BBC5-38C548EDAD84}" type="datetimeFigureOut">
               <a:rPr lang="en-US" smtClean="0"/>
-              <a:t>5/13/20</a:t>
+              <a:t>5/17/20</a:t>
             </a:fld>
             <a:endParaRPr lang="en-US"/>
           </a:p>
@@ -4279,7 +4281,7 @@
           <a:p>
             <a:fld id="{13E511B9-4906-6348-BBC5-38C548EDAD84}" type="datetimeFigureOut">
               <a:rPr lang="en-US" smtClean="0"/>
-              <a:t>5/13/20</a:t>
+              <a:t>5/17/20</a:t>
             </a:fld>
             <a:endParaRPr lang="en-US"/>
           </a:p>
@@ -4392,7 +4394,7 @@
           <a:p>
             <a:fld id="{13E511B9-4906-6348-BBC5-38C548EDAD84}" type="datetimeFigureOut">
               <a:rPr lang="en-US" smtClean="0"/>
-              <a:t>5/13/20</a:t>
+              <a:t>5/17/20</a:t>
             </a:fld>
             <a:endParaRPr lang="en-US"/>
           </a:p>
@@ -4703,7 +4705,7 @@
           <a:p>
             <a:fld id="{13E511B9-4906-6348-BBC5-38C548EDAD84}" type="datetimeFigureOut">
               <a:rPr lang="en-US" smtClean="0"/>
-              <a:t>5/13/20</a:t>
+              <a:t>5/17/20</a:t>
             </a:fld>
             <a:endParaRPr lang="en-US"/>
           </a:p>
@@ -4991,7 +4993,7 @@
           <a:p>
             <a:fld id="{13E511B9-4906-6348-BBC5-38C548EDAD84}" type="datetimeFigureOut">
               <a:rPr lang="en-US" smtClean="0"/>
-              <a:t>5/13/20</a:t>
+              <a:t>5/17/20</a:t>
             </a:fld>
             <a:endParaRPr lang="en-US"/>
           </a:p>
@@ -5232,7 +5234,7 @@
           <a:p>
             <a:fld id="{13E511B9-4906-6348-BBC5-38C548EDAD84}" type="datetimeFigureOut">
               <a:rPr lang="en-US" smtClean="0"/>
-              <a:t>5/13/20</a:t>
+              <a:t>5/17/20</a:t>
             </a:fld>
             <a:endParaRPr lang="en-US"/>
           </a:p>
@@ -6725,6 +6727,295 @@
 </p:sld>
 </file>
 
+<file path=ppt/slides/slide8.xml><?xml version="1.0" encoding="utf-8"?>
+<p:sld xmlns:a="http://schemas.openxmlformats.org/drawingml/2006/main" xmlns:r="http://schemas.openxmlformats.org/officeDocument/2006/relationships" xmlns:p="http://schemas.openxmlformats.org/presentationml/2006/main">
+  <p:cSld>
+    <p:spTree>
+      <p:nvGrpSpPr>
+        <p:cNvPr id="1" name=""/>
+        <p:cNvGrpSpPr/>
+        <p:nvPr/>
+      </p:nvGrpSpPr>
+      <p:grpSpPr>
+        <a:xfrm>
+          <a:off x="0" y="0"/>
+          <a:ext cx="0" cy="0"/>
+          <a:chOff x="0" y="0"/>
+          <a:chExt cx="0" cy="0"/>
+        </a:xfrm>
+      </p:grpSpPr>
+      <p:sp>
+        <p:nvSpPr>
+          <p:cNvPr id="2" name="Title 1">
+            <a:extLst>
+              <a:ext uri="{FF2B5EF4-FFF2-40B4-BE49-F238E27FC236}">
+                <a16:creationId xmlns:a16="http://schemas.microsoft.com/office/drawing/2014/main" id="{89CBD667-F7F6-6947-AD55-433F388F5F93}"/>
+              </a:ext>
+            </a:extLst>
+          </p:cNvPr>
+          <p:cNvSpPr>
+            <a:spLocks noGrp="1"/>
+          </p:cNvSpPr>
+          <p:nvPr>
+            <p:ph type="title"/>
+          </p:nvPr>
+        </p:nvSpPr>
+        <p:spPr>
+          <a:xfrm>
+            <a:off x="838200" y="365125"/>
+            <a:ext cx="6072554" cy="1325563"/>
+          </a:xfrm>
+        </p:spPr>
+        <p:txBody>
+          <a:bodyPr/>
+          <a:lstStyle/>
+          <a:p>
+            <a:pPr algn="ctr"/>
+            <a:r>
+              <a:rPr lang="en-US" dirty="0"/>
+              <a:t>File permissions</a:t>
+            </a:r>
+          </a:p>
+        </p:txBody>
+      </p:sp>
+      <p:pic>
+        <p:nvPicPr>
+          <p:cNvPr id="4" name="Picture 3">
+            <a:extLst>
+              <a:ext uri="{FF2B5EF4-FFF2-40B4-BE49-F238E27FC236}">
+                <a16:creationId xmlns:a16="http://schemas.microsoft.com/office/drawing/2014/main" id="{9829F437-6EC0-9A44-A536-650D8B3F5F2D}"/>
+              </a:ext>
+            </a:extLst>
+          </p:cNvPr>
+          <p:cNvPicPr>
+            <a:picLocks noChangeAspect="1"/>
+          </p:cNvPicPr>
+          <p:nvPr/>
+        </p:nvPicPr>
+        <p:blipFill>
+          <a:blip r:embed="rId2"/>
+          <a:stretch>
+            <a:fillRect/>
+          </a:stretch>
+        </p:blipFill>
+        <p:spPr>
+          <a:xfrm>
+            <a:off x="554989" y="1690688"/>
+            <a:ext cx="7662419" cy="4481354"/>
+          </a:xfrm>
+          <a:prstGeom prst="rect">
+            <a:avLst/>
+          </a:prstGeom>
+        </p:spPr>
+      </p:pic>
+      <p:pic>
+        <p:nvPicPr>
+          <p:cNvPr id="6" name="Picture 5" descr="A screenshot of a cell phone&#10;&#10;Description automatically generated">
+            <a:extLst>
+              <a:ext uri="{FF2B5EF4-FFF2-40B4-BE49-F238E27FC236}">
+                <a16:creationId xmlns:a16="http://schemas.microsoft.com/office/drawing/2014/main" id="{DAF6AAB6-BB8A-8B4D-8FFF-6D7CC69E29EB}"/>
+              </a:ext>
+            </a:extLst>
+          </p:cNvPr>
+          <p:cNvPicPr>
+            <a:picLocks noChangeAspect="1"/>
+          </p:cNvPicPr>
+          <p:nvPr/>
+        </p:nvPicPr>
+        <p:blipFill rotWithShape="1">
+          <a:blip r:embed="rId3"/>
+          <a:srcRect l="10460" t="15454" r="12511" b="7295"/>
+          <a:stretch/>
+        </p:blipFill>
+        <p:spPr>
+          <a:xfrm>
+            <a:off x="8340500" y="1375446"/>
+            <a:ext cx="3722546" cy="5324292"/>
+          </a:xfrm>
+          <a:prstGeom prst="rect">
+            <a:avLst/>
+          </a:prstGeom>
+        </p:spPr>
+      </p:pic>
+      <p:sp>
+        <p:nvSpPr>
+          <p:cNvPr id="7" name="TextBox 6">
+            <a:extLst>
+              <a:ext uri="{FF2B5EF4-FFF2-40B4-BE49-F238E27FC236}">
+                <a16:creationId xmlns:a16="http://schemas.microsoft.com/office/drawing/2014/main" id="{9AA9B4B1-03D3-2244-923A-35F27E70CA34}"/>
+              </a:ext>
+            </a:extLst>
+          </p:cNvPr>
+          <p:cNvSpPr txBox="1"/>
+          <p:nvPr/>
+        </p:nvSpPr>
+        <p:spPr>
+          <a:xfrm>
+            <a:off x="8111899" y="843240"/>
+            <a:ext cx="3799438" cy="461665"/>
+          </a:xfrm>
+          <a:prstGeom prst="rect">
+            <a:avLst/>
+          </a:prstGeom>
+          <a:noFill/>
+        </p:spPr>
+        <p:txBody>
+          <a:bodyPr wrap="none" rtlCol="0">
+            <a:spAutoFit/>
+          </a:bodyPr>
+          <a:lstStyle/>
+          <a:p>
+            <a:r>
+              <a:rPr lang="en-US" sz="2400" b="1" dirty="0"/>
+              <a:t>`</a:t>
+            </a:r>
+            <a:r>
+              <a:rPr lang="en-US" sz="2400" b="1" dirty="0" err="1"/>
+              <a:t>chmod</a:t>
+            </a:r>
+            <a:r>
+              <a:rPr lang="en-US" sz="2400" b="1" dirty="0"/>
+              <a:t>` permission number</a:t>
+            </a:r>
+          </a:p>
+        </p:txBody>
+      </p:sp>
+    </p:spTree>
+    <p:extLst>
+      <p:ext uri="{BB962C8B-B14F-4D97-AF65-F5344CB8AC3E}">
+        <p14:creationId xmlns:p14="http://schemas.microsoft.com/office/powerpoint/2010/main" val="2006779799"/>
+      </p:ext>
+    </p:extLst>
+  </p:cSld>
+  <p:clrMapOvr>
+    <a:masterClrMapping/>
+  </p:clrMapOvr>
+</p:sld>
+</file>
+
+<file path=ppt/slides/slide9.xml><?xml version="1.0" encoding="utf-8"?>
+<p:sld xmlns:a="http://schemas.openxmlformats.org/drawingml/2006/main" xmlns:r="http://schemas.openxmlformats.org/officeDocument/2006/relationships" xmlns:p="http://schemas.openxmlformats.org/presentationml/2006/main">
+  <p:cSld>
+    <p:spTree>
+      <p:nvGrpSpPr>
+        <p:cNvPr id="1" name=""/>
+        <p:cNvGrpSpPr/>
+        <p:nvPr/>
+      </p:nvGrpSpPr>
+      <p:grpSpPr>
+        <a:xfrm>
+          <a:off x="0" y="0"/>
+          <a:ext cx="0" cy="0"/>
+          <a:chOff x="0" y="0"/>
+          <a:chExt cx="0" cy="0"/>
+        </a:xfrm>
+      </p:grpSpPr>
+      <p:sp>
+        <p:nvSpPr>
+          <p:cNvPr id="2" name="Title 1">
+            <a:extLst>
+              <a:ext uri="{FF2B5EF4-FFF2-40B4-BE49-F238E27FC236}">
+                <a16:creationId xmlns:a16="http://schemas.microsoft.com/office/drawing/2014/main" id="{FE6B4C1B-0EC7-4A4F-8A6C-18BD226B225B}"/>
+              </a:ext>
+            </a:extLst>
+          </p:cNvPr>
+          <p:cNvSpPr>
+            <a:spLocks noGrp="1"/>
+          </p:cNvSpPr>
+          <p:nvPr>
+            <p:ph type="title"/>
+          </p:nvPr>
+        </p:nvSpPr>
+        <p:spPr/>
+        <p:txBody>
+          <a:bodyPr/>
+          <a:lstStyle/>
+          <a:p>
+            <a:endParaRPr lang="en-US"/>
+          </a:p>
+        </p:txBody>
+      </p:sp>
+      <p:sp>
+        <p:nvSpPr>
+          <p:cNvPr id="3" name="Content Placeholder 2">
+            <a:extLst>
+              <a:ext uri="{FF2B5EF4-FFF2-40B4-BE49-F238E27FC236}">
+                <a16:creationId xmlns:a16="http://schemas.microsoft.com/office/drawing/2014/main" id="{D36A5118-78E4-B34B-9A20-F48C77DF5368}"/>
+              </a:ext>
+            </a:extLst>
+          </p:cNvPr>
+          <p:cNvSpPr>
+            <a:spLocks noGrp="1"/>
+          </p:cNvSpPr>
+          <p:nvPr>
+            <p:ph idx="1"/>
+          </p:nvPr>
+        </p:nvSpPr>
+        <p:spPr/>
+        <p:txBody>
+          <a:bodyPr/>
+          <a:lstStyle/>
+          <a:p>
+            <a:r>
+              <a:rPr lang="en-US" dirty="0"/>
+              <a:t>In some distributions, most notably Ubuntu, an alternate method is used. Rather than using </a:t>
+            </a:r>
+            <a:r>
+              <a:rPr lang="en-US" dirty="0" err="1"/>
+              <a:t>su</a:t>
+            </a:r>
+            <a:r>
+              <a:rPr lang="en-US" dirty="0"/>
+              <a:t>, these systems employ the </a:t>
+            </a:r>
+            <a:r>
+              <a:rPr lang="en-US" dirty="0" err="1"/>
+              <a:t>sudo</a:t>
+            </a:r>
+            <a:r>
+              <a:rPr lang="en-US" dirty="0"/>
+              <a:t> command instead. With </a:t>
+            </a:r>
+            <a:r>
+              <a:rPr lang="en-US" dirty="0" err="1"/>
+              <a:t>sudo</a:t>
+            </a:r>
+            <a:r>
+              <a:rPr lang="en-US" dirty="0"/>
+              <a:t>, one or more users are granted superuser privileges on an as needed basis. To execute a command as the superuser, the desired command is simply </a:t>
+            </a:r>
+            <a:r>
+              <a:rPr lang="en-US" dirty="0" err="1"/>
+              <a:t>preceeded</a:t>
+            </a:r>
+            <a:r>
+              <a:rPr lang="en-US" dirty="0"/>
+              <a:t> with the </a:t>
+            </a:r>
+            <a:r>
+              <a:rPr lang="en-US" dirty="0" err="1"/>
+              <a:t>sudo</a:t>
+            </a:r>
+            <a:r>
+              <a:rPr lang="en-US" dirty="0"/>
+              <a:t> command. After the command is entered, the user is prompted for the user's password rather than the superuser's:</a:t>
+            </a:r>
+          </a:p>
+        </p:txBody>
+      </p:sp>
+    </p:spTree>
+    <p:extLst>
+      <p:ext uri="{BB962C8B-B14F-4D97-AF65-F5344CB8AC3E}">
+        <p14:creationId xmlns:p14="http://schemas.microsoft.com/office/powerpoint/2010/main" val="4148206764"/>
+      </p:ext>
+    </p:extLst>
+  </p:cSld>
+  <p:clrMapOvr>
+    <a:masterClrMapping/>
+  </p:clrMapOvr>
+</p:sld>
+</file>
+
 <file path=ppt/theme/theme1.xml><?xml version="1.0" encoding="utf-8"?>
 <a:theme xmlns:a="http://schemas.openxmlformats.org/drawingml/2006/main" name="Office Theme">
   <a:themeElements>

--- a/files/slides.pptx
+++ b/files/slides.pptx
@@ -12,8 +12,8 @@
     <p:sldId id="262" r:id="rId6"/>
     <p:sldId id="260" r:id="rId7"/>
     <p:sldId id="261" r:id="rId8"/>
-    <p:sldId id="263" r:id="rId9"/>
-    <p:sldId id="264" r:id="rId10"/>
+    <p:sldId id="264" r:id="rId9"/>
+    <p:sldId id="263" r:id="rId10"/>
   </p:sldIdLst>
   <p:sldSz cx="12192000" cy="6858000"/>
   <p:notesSz cx="6858000" cy="9144000"/>
@@ -6746,10 +6746,10 @@
       </p:grpSpPr>
       <p:sp>
         <p:nvSpPr>
-          <p:cNvPr id="2" name="Title 1">
-            <a:extLst>
-              <a:ext uri="{FF2B5EF4-FFF2-40B4-BE49-F238E27FC236}">
-                <a16:creationId xmlns:a16="http://schemas.microsoft.com/office/drawing/2014/main" id="{89CBD667-F7F6-6947-AD55-433F388F5F93}"/>
+          <p:cNvPr id="3" name="Content Placeholder 2">
+            <a:extLst>
+              <a:ext uri="{FF2B5EF4-FFF2-40B4-BE49-F238E27FC236}">
+                <a16:creationId xmlns:a16="http://schemas.microsoft.com/office/drawing/2014/main" id="{D36A5118-78E4-B34B-9A20-F48C77DF5368}"/>
               </a:ext>
             </a:extLst>
           </p:cNvPr>
@@ -6757,102 +6757,73 @@
             <a:spLocks noGrp="1"/>
           </p:cNvSpPr>
           <p:nvPr>
-            <p:ph type="title"/>
-          </p:nvPr>
+            <p:ph idx="1"/>
+          </p:nvPr>
+        </p:nvSpPr>
+        <p:spPr/>
+        <p:txBody>
+          <a:bodyPr>
+            <a:normAutofit/>
+          </a:bodyPr>
+          <a:lstStyle/>
+          <a:p>
+            <a:r>
+              <a:rPr lang="en-US" sz="4000" dirty="0"/>
+              <a:t>Superuser (</a:t>
+            </a:r>
+            <a:r>
+              <a:rPr lang="en-US" sz="4000" dirty="0" err="1"/>
+              <a:t>su</a:t>
+            </a:r>
+            <a:r>
+              <a:rPr lang="en-US" sz="4000" dirty="0"/>
+              <a:t>): perform important system administration tasks</a:t>
+            </a:r>
+          </a:p>
+          <a:p>
+            <a:r>
+              <a:rPr lang="en-US" sz="4000" dirty="0" err="1"/>
+              <a:t>sudo</a:t>
+            </a:r>
+            <a:r>
+              <a:rPr lang="en-US" sz="4000" dirty="0"/>
+              <a:t>: some systems (e.g., Ubuntu) employ the </a:t>
+            </a:r>
+            <a:r>
+              <a:rPr lang="en-US" sz="4000" dirty="0" err="1"/>
+              <a:t>sudo</a:t>
+            </a:r>
+            <a:r>
+              <a:rPr lang="en-US" sz="4000" dirty="0"/>
+              <a:t> command instead. With </a:t>
+            </a:r>
+            <a:r>
+              <a:rPr lang="en-US" sz="4000" dirty="0" err="1"/>
+              <a:t>sudo</a:t>
+            </a:r>
+            <a:r>
+              <a:rPr lang="en-US" sz="4000" dirty="0"/>
+              <a:t>, one or more users are granted superuser privileges on an as needed basis</a:t>
+            </a:r>
+          </a:p>
+        </p:txBody>
+      </p:sp>
+      <p:sp>
+        <p:nvSpPr>
+          <p:cNvPr id="4" name="TextBox 3">
+            <a:extLst>
+              <a:ext uri="{FF2B5EF4-FFF2-40B4-BE49-F238E27FC236}">
+                <a16:creationId xmlns:a16="http://schemas.microsoft.com/office/drawing/2014/main" id="{CBFBA65C-8FB5-FE43-BCD4-EC60F6E85ED3}"/>
+              </a:ext>
+            </a:extLst>
+          </p:cNvPr>
+          <p:cNvSpPr txBox="1"/>
+          <p:nvPr/>
         </p:nvSpPr>
         <p:spPr>
           <a:xfrm>
-            <a:off x="838200" y="365125"/>
-            <a:ext cx="6072554" cy="1325563"/>
-          </a:xfrm>
-        </p:spPr>
-        <p:txBody>
-          <a:bodyPr/>
-          <a:lstStyle/>
-          <a:p>
-            <a:pPr algn="ctr"/>
-            <a:r>
-              <a:rPr lang="en-US" dirty="0"/>
-              <a:t>File permissions</a:t>
-            </a:r>
-          </a:p>
-        </p:txBody>
-      </p:sp>
-      <p:pic>
-        <p:nvPicPr>
-          <p:cNvPr id="4" name="Picture 3">
-            <a:extLst>
-              <a:ext uri="{FF2B5EF4-FFF2-40B4-BE49-F238E27FC236}">
-                <a16:creationId xmlns:a16="http://schemas.microsoft.com/office/drawing/2014/main" id="{9829F437-6EC0-9A44-A536-650D8B3F5F2D}"/>
-              </a:ext>
-            </a:extLst>
-          </p:cNvPr>
-          <p:cNvPicPr>
-            <a:picLocks noChangeAspect="1"/>
-          </p:cNvPicPr>
-          <p:nvPr/>
-        </p:nvPicPr>
-        <p:blipFill>
-          <a:blip r:embed="rId2"/>
-          <a:stretch>
-            <a:fillRect/>
-          </a:stretch>
-        </p:blipFill>
-        <p:spPr>
-          <a:xfrm>
-            <a:off x="554989" y="1690688"/>
-            <a:ext cx="7662419" cy="4481354"/>
-          </a:xfrm>
-          <a:prstGeom prst="rect">
-            <a:avLst/>
-          </a:prstGeom>
-        </p:spPr>
-      </p:pic>
-      <p:pic>
-        <p:nvPicPr>
-          <p:cNvPr id="6" name="Picture 5" descr="A screenshot of a cell phone&#10;&#10;Description automatically generated">
-            <a:extLst>
-              <a:ext uri="{FF2B5EF4-FFF2-40B4-BE49-F238E27FC236}">
-                <a16:creationId xmlns:a16="http://schemas.microsoft.com/office/drawing/2014/main" id="{DAF6AAB6-BB8A-8B4D-8FFF-6D7CC69E29EB}"/>
-              </a:ext>
-            </a:extLst>
-          </p:cNvPr>
-          <p:cNvPicPr>
-            <a:picLocks noChangeAspect="1"/>
-          </p:cNvPicPr>
-          <p:nvPr/>
-        </p:nvPicPr>
-        <p:blipFill rotWithShape="1">
-          <a:blip r:embed="rId3"/>
-          <a:srcRect l="10460" t="15454" r="12511" b="7295"/>
-          <a:stretch/>
-        </p:blipFill>
-        <p:spPr>
-          <a:xfrm>
-            <a:off x="8340500" y="1375446"/>
-            <a:ext cx="3722546" cy="5324292"/>
-          </a:xfrm>
-          <a:prstGeom prst="rect">
-            <a:avLst/>
-          </a:prstGeom>
-        </p:spPr>
-      </p:pic>
-      <p:sp>
-        <p:nvSpPr>
-          <p:cNvPr id="7" name="TextBox 6">
-            <a:extLst>
-              <a:ext uri="{FF2B5EF4-FFF2-40B4-BE49-F238E27FC236}">
-                <a16:creationId xmlns:a16="http://schemas.microsoft.com/office/drawing/2014/main" id="{9AA9B4B1-03D3-2244-923A-35F27E70CA34}"/>
-              </a:ext>
-            </a:extLst>
-          </p:cNvPr>
-          <p:cNvSpPr txBox="1"/>
-          <p:nvPr/>
-        </p:nvSpPr>
-        <p:spPr>
-          <a:xfrm>
-            <a:off x="8111899" y="843240"/>
-            <a:ext cx="3799438" cy="461665"/>
+            <a:off x="3481753" y="487606"/>
+            <a:ext cx="4729115" cy="707886"/>
           </a:xfrm>
           <a:prstGeom prst="rect">
             <a:avLst/>
@@ -6866,16 +6837,20 @@
           <a:lstStyle/>
           <a:p>
             <a:r>
-              <a:rPr lang="en-US" sz="2400" b="1" dirty="0"/>
-              <a:t>`</a:t>
-            </a:r>
-            <a:r>
-              <a:rPr lang="en-US" sz="2400" b="1" dirty="0" err="1"/>
-              <a:t>chmod</a:t>
-            </a:r>
-            <a:r>
-              <a:rPr lang="en-US" sz="2400" b="1" dirty="0"/>
-              <a:t>` permission number</a:t>
+              <a:rPr lang="en-US" sz="4000" dirty="0" err="1"/>
+              <a:t>su</a:t>
+            </a:r>
+            <a:r>
+              <a:rPr lang="en-US" sz="4000" dirty="0"/>
+              <a:t> vs </a:t>
+            </a:r>
+            <a:r>
+              <a:rPr lang="en-US" sz="4000" dirty="0" err="1"/>
+              <a:t>sudo</a:t>
+            </a:r>
+            <a:r>
+              <a:rPr lang="en-US" sz="4000" dirty="0"/>
+              <a:t> commands</a:t>
             </a:r>
           </a:p>
         </p:txBody>
@@ -6883,7 +6858,7 @@
     </p:spTree>
     <p:extLst>
       <p:ext uri="{BB962C8B-B14F-4D97-AF65-F5344CB8AC3E}">
-        <p14:creationId xmlns:p14="http://schemas.microsoft.com/office/powerpoint/2010/main" val="2006779799"/>
+        <p14:creationId xmlns:p14="http://schemas.microsoft.com/office/powerpoint/2010/main" val="4148206764"/>
       </p:ext>
     </p:extLst>
   </p:cSld>
@@ -6915,7 +6890,7 @@
           <p:cNvPr id="2" name="Title 1">
             <a:extLst>
               <a:ext uri="{FF2B5EF4-FFF2-40B4-BE49-F238E27FC236}">
-                <a16:creationId xmlns:a16="http://schemas.microsoft.com/office/drawing/2014/main" id="{FE6B4C1B-0EC7-4A4F-8A6C-18BD226B225B}"/>
+                <a16:creationId xmlns:a16="http://schemas.microsoft.com/office/drawing/2014/main" id="{89CBD667-F7F6-6947-AD55-433F388F5F93}"/>
               </a:ext>
             </a:extLst>
           </p:cNvPr>
@@ -6926,79 +6901,340 @@
             <p:ph type="title"/>
           </p:nvPr>
         </p:nvSpPr>
-        <p:spPr/>
+        <p:spPr>
+          <a:xfrm>
+            <a:off x="820615" y="48600"/>
+            <a:ext cx="6072554" cy="1325563"/>
+          </a:xfrm>
+        </p:spPr>
         <p:txBody>
           <a:bodyPr/>
           <a:lstStyle/>
           <a:p>
-            <a:endParaRPr lang="en-US"/>
-          </a:p>
-        </p:txBody>
-      </p:sp>
-      <p:sp>
-        <p:nvSpPr>
-          <p:cNvPr id="3" name="Content Placeholder 2">
-            <a:extLst>
-              <a:ext uri="{FF2B5EF4-FFF2-40B4-BE49-F238E27FC236}">
-                <a16:creationId xmlns:a16="http://schemas.microsoft.com/office/drawing/2014/main" id="{D36A5118-78E4-B34B-9A20-F48C77DF5368}"/>
-              </a:ext>
-            </a:extLst>
-          </p:cNvPr>
-          <p:cNvSpPr>
-            <a:spLocks noGrp="1"/>
-          </p:cNvSpPr>
-          <p:nvPr>
-            <p:ph idx="1"/>
-          </p:nvPr>
-        </p:nvSpPr>
-        <p:spPr/>
-        <p:txBody>
-          <a:bodyPr/>
+            <a:pPr algn="ctr"/>
+            <a:r>
+              <a:rPr lang="en-US" dirty="0"/>
+              <a:t>File permissions</a:t>
+            </a:r>
+          </a:p>
+        </p:txBody>
+      </p:sp>
+      <p:pic>
+        <p:nvPicPr>
+          <p:cNvPr id="4" name="Picture 3">
+            <a:extLst>
+              <a:ext uri="{FF2B5EF4-FFF2-40B4-BE49-F238E27FC236}">
+                <a16:creationId xmlns:a16="http://schemas.microsoft.com/office/drawing/2014/main" id="{9829F437-6EC0-9A44-A536-650D8B3F5F2D}"/>
+              </a:ext>
+            </a:extLst>
+          </p:cNvPr>
+          <p:cNvPicPr>
+            <a:picLocks noChangeAspect="1"/>
+          </p:cNvPicPr>
+          <p:nvPr/>
+        </p:nvPicPr>
+        <p:blipFill>
+          <a:blip r:embed="rId2"/>
+          <a:stretch>
+            <a:fillRect/>
+          </a:stretch>
+        </p:blipFill>
+        <p:spPr>
+          <a:xfrm>
+            <a:off x="554989" y="1848952"/>
+            <a:ext cx="6865719" cy="4015405"/>
+          </a:xfrm>
+          <a:prstGeom prst="rect">
+            <a:avLst/>
+          </a:prstGeom>
+        </p:spPr>
+      </p:pic>
+      <p:pic>
+        <p:nvPicPr>
+          <p:cNvPr id="6" name="Picture 5" descr="A screenshot of a cell phone&#10;&#10;Description automatically generated">
+            <a:extLst>
+              <a:ext uri="{FF2B5EF4-FFF2-40B4-BE49-F238E27FC236}">
+                <a16:creationId xmlns:a16="http://schemas.microsoft.com/office/drawing/2014/main" id="{DAF6AAB6-BB8A-8B4D-8FFF-6D7CC69E29EB}"/>
+              </a:ext>
+            </a:extLst>
+          </p:cNvPr>
+          <p:cNvPicPr>
+            <a:picLocks noChangeAspect="1"/>
+          </p:cNvPicPr>
+          <p:nvPr/>
+        </p:nvPicPr>
+        <p:blipFill rotWithShape="1">
+          <a:blip r:embed="rId3"/>
+          <a:srcRect l="10460" t="15454" r="12511" b="7295"/>
+          <a:stretch/>
+        </p:blipFill>
+        <p:spPr>
+          <a:xfrm>
+            <a:off x="7837641" y="1237333"/>
+            <a:ext cx="3722546" cy="5324292"/>
+          </a:xfrm>
+          <a:prstGeom prst="rect">
+            <a:avLst/>
+          </a:prstGeom>
+        </p:spPr>
+      </p:pic>
+      <p:sp>
+        <p:nvSpPr>
+          <p:cNvPr id="7" name="TextBox 6">
+            <a:extLst>
+              <a:ext uri="{FF2B5EF4-FFF2-40B4-BE49-F238E27FC236}">
+                <a16:creationId xmlns:a16="http://schemas.microsoft.com/office/drawing/2014/main" id="{9AA9B4B1-03D3-2244-923A-35F27E70CA34}"/>
+              </a:ext>
+            </a:extLst>
+          </p:cNvPr>
+          <p:cNvSpPr txBox="1"/>
+          <p:nvPr/>
+        </p:nvSpPr>
+        <p:spPr>
+          <a:xfrm>
+            <a:off x="7609040" y="705127"/>
+            <a:ext cx="3799438" cy="461665"/>
+          </a:xfrm>
+          <a:prstGeom prst="rect">
+            <a:avLst/>
+          </a:prstGeom>
+          <a:noFill/>
+        </p:spPr>
+        <p:txBody>
+          <a:bodyPr wrap="none" rtlCol="0">
+            <a:spAutoFit/>
+          </a:bodyPr>
           <a:lstStyle/>
           <a:p>
             <a:r>
-              <a:rPr lang="en-US" dirty="0"/>
-              <a:t>In some distributions, most notably Ubuntu, an alternate method is used. Rather than using </a:t>
-            </a:r>
-            <a:r>
-              <a:rPr lang="en-US" dirty="0" err="1"/>
-              <a:t>su</a:t>
-            </a:r>
-            <a:r>
-              <a:rPr lang="en-US" dirty="0"/>
-              <a:t>, these systems employ the </a:t>
-            </a:r>
-            <a:r>
-              <a:rPr lang="en-US" dirty="0" err="1"/>
-              <a:t>sudo</a:t>
-            </a:r>
-            <a:r>
-              <a:rPr lang="en-US" dirty="0"/>
-              <a:t> command instead. With </a:t>
-            </a:r>
-            <a:r>
-              <a:rPr lang="en-US" dirty="0" err="1"/>
-              <a:t>sudo</a:t>
-            </a:r>
-            <a:r>
-              <a:rPr lang="en-US" dirty="0"/>
-              <a:t>, one or more users are granted superuser privileges on an as needed basis. To execute a command as the superuser, the desired command is simply </a:t>
-            </a:r>
-            <a:r>
-              <a:rPr lang="en-US" dirty="0" err="1"/>
-              <a:t>preceeded</a:t>
-            </a:r>
-            <a:r>
-              <a:rPr lang="en-US" dirty="0"/>
-              <a:t> with the </a:t>
-            </a:r>
-            <a:r>
-              <a:rPr lang="en-US" dirty="0" err="1"/>
-              <a:t>sudo</a:t>
-            </a:r>
-            <a:r>
-              <a:rPr lang="en-US" dirty="0"/>
-              <a:t> command. After the command is entered, the user is prompted for the user's password rather than the superuser's:</a:t>
+              <a:rPr lang="en-US" sz="2400" b="1" dirty="0"/>
+              <a:t>`</a:t>
+            </a:r>
+            <a:r>
+              <a:rPr lang="en-US" sz="2400" b="1" dirty="0" err="1"/>
+              <a:t>chmod</a:t>
+            </a:r>
+            <a:r>
+              <a:rPr lang="en-US" sz="2400" b="1" dirty="0"/>
+              <a:t>` permission number</a:t>
+            </a:r>
+          </a:p>
+        </p:txBody>
+      </p:sp>
+      <p:sp>
+        <p:nvSpPr>
+          <p:cNvPr id="8" name="TextBox 7">
+            <a:extLst>
+              <a:ext uri="{FF2B5EF4-FFF2-40B4-BE49-F238E27FC236}">
+                <a16:creationId xmlns:a16="http://schemas.microsoft.com/office/drawing/2014/main" id="{B17B25C0-FEEA-334C-91C3-CB3EA3C12B70}"/>
+              </a:ext>
+            </a:extLst>
+          </p:cNvPr>
+          <p:cNvSpPr txBox="1"/>
+          <p:nvPr/>
+        </p:nvSpPr>
+        <p:spPr>
+          <a:xfrm>
+            <a:off x="971922" y="1237333"/>
+            <a:ext cx="3382438" cy="523220"/>
+          </a:xfrm>
+          <a:prstGeom prst="rect">
+            <a:avLst/>
+          </a:prstGeom>
+          <a:noFill/>
+        </p:spPr>
+        <p:txBody>
+          <a:bodyPr wrap="square" rtlCol="0">
+            <a:spAutoFit/>
+          </a:bodyPr>
+          <a:lstStyle/>
+          <a:p>
+            <a:r>
+              <a:rPr lang="en-US" sz="2800" dirty="0"/>
+              <a:t>Owner – Group - All</a:t>
+            </a:r>
+          </a:p>
+        </p:txBody>
+      </p:sp>
+      <p:cxnSp>
+        <p:nvCxnSpPr>
+          <p:cNvPr id="10" name="Straight Arrow Connector 9">
+            <a:extLst>
+              <a:ext uri="{FF2B5EF4-FFF2-40B4-BE49-F238E27FC236}">
+                <a16:creationId xmlns:a16="http://schemas.microsoft.com/office/drawing/2014/main" id="{D349123E-FC29-CF4A-A37E-A66F7F17DD28}"/>
+              </a:ext>
+            </a:extLst>
+          </p:cNvPr>
+          <p:cNvCxnSpPr>
+            <a:cxnSpLocks/>
+          </p:cNvCxnSpPr>
+          <p:nvPr/>
+        </p:nvCxnSpPr>
+        <p:spPr>
+          <a:xfrm>
+            <a:off x="1494692" y="1690690"/>
+            <a:ext cx="1" cy="401601"/>
+          </a:xfrm>
+          <a:prstGeom prst="straightConnector1">
+            <a:avLst/>
+          </a:prstGeom>
+          <a:ln w="25400">
+            <a:solidFill>
+              <a:schemeClr val="tx1"/>
+            </a:solidFill>
+            <a:tailEnd type="triangle"/>
+          </a:ln>
+        </p:spPr>
+        <p:style>
+          <a:lnRef idx="1">
+            <a:schemeClr val="accent1"/>
+          </a:lnRef>
+          <a:fillRef idx="0">
+            <a:schemeClr val="accent1"/>
+          </a:fillRef>
+          <a:effectRef idx="0">
+            <a:schemeClr val="accent1"/>
+          </a:effectRef>
+          <a:fontRef idx="minor">
+            <a:schemeClr val="tx1"/>
+          </a:fontRef>
+        </p:style>
+      </p:cxnSp>
+      <p:cxnSp>
+        <p:nvCxnSpPr>
+          <p:cNvPr id="11" name="Straight Arrow Connector 10">
+            <a:extLst>
+              <a:ext uri="{FF2B5EF4-FFF2-40B4-BE49-F238E27FC236}">
+                <a16:creationId xmlns:a16="http://schemas.microsoft.com/office/drawing/2014/main" id="{E92F04B6-0B32-DB4A-81AD-E5235589FE93}"/>
+              </a:ext>
+            </a:extLst>
+          </p:cNvPr>
+          <p:cNvCxnSpPr>
+            <a:cxnSpLocks/>
+          </p:cNvCxnSpPr>
+          <p:nvPr/>
+        </p:nvCxnSpPr>
+        <p:spPr>
+          <a:xfrm flipH="1">
+            <a:off x="2434396" y="1617057"/>
+            <a:ext cx="267775" cy="475234"/>
+          </a:xfrm>
+          <a:prstGeom prst="straightConnector1">
+            <a:avLst/>
+          </a:prstGeom>
+          <a:ln w="25400">
+            <a:solidFill>
+              <a:schemeClr val="tx1"/>
+            </a:solidFill>
+            <a:tailEnd type="triangle"/>
+          </a:ln>
+        </p:spPr>
+        <p:style>
+          <a:lnRef idx="1">
+            <a:schemeClr val="accent1"/>
+          </a:lnRef>
+          <a:fillRef idx="0">
+            <a:schemeClr val="accent1"/>
+          </a:fillRef>
+          <a:effectRef idx="0">
+            <a:schemeClr val="accent1"/>
+          </a:effectRef>
+          <a:fontRef idx="minor">
+            <a:schemeClr val="tx1"/>
+          </a:fontRef>
+        </p:style>
+      </p:cxnSp>
+      <p:cxnSp>
+        <p:nvCxnSpPr>
+          <p:cNvPr id="13" name="Straight Arrow Connector 12">
+            <a:extLst>
+              <a:ext uri="{FF2B5EF4-FFF2-40B4-BE49-F238E27FC236}">
+                <a16:creationId xmlns:a16="http://schemas.microsoft.com/office/drawing/2014/main" id="{8D45CE9E-504E-A947-96E5-19087F622DD0}"/>
+              </a:ext>
+            </a:extLst>
+          </p:cNvPr>
+          <p:cNvCxnSpPr>
+            <a:cxnSpLocks/>
+          </p:cNvCxnSpPr>
+          <p:nvPr/>
+        </p:nvCxnSpPr>
+        <p:spPr>
+          <a:xfrm flipH="1">
+            <a:off x="3119104" y="1653873"/>
+            <a:ext cx="532636" cy="438418"/>
+          </a:xfrm>
+          <a:prstGeom prst="straightConnector1">
+            <a:avLst/>
+          </a:prstGeom>
+          <a:ln w="25400">
+            <a:solidFill>
+              <a:schemeClr val="tx1"/>
+            </a:solidFill>
+            <a:tailEnd type="triangle"/>
+          </a:ln>
+        </p:spPr>
+        <p:style>
+          <a:lnRef idx="1">
+            <a:schemeClr val="accent1"/>
+          </a:lnRef>
+          <a:fillRef idx="0">
+            <a:schemeClr val="accent1"/>
+          </a:fillRef>
+          <a:effectRef idx="0">
+            <a:schemeClr val="accent1"/>
+          </a:effectRef>
+          <a:fontRef idx="minor">
+            <a:schemeClr val="tx1"/>
+          </a:fontRef>
+        </p:style>
+      </p:cxnSp>
+      <p:sp>
+        <p:nvSpPr>
+          <p:cNvPr id="20" name="TextBox 19">
+            <a:extLst>
+              <a:ext uri="{FF2B5EF4-FFF2-40B4-BE49-F238E27FC236}">
+                <a16:creationId xmlns:a16="http://schemas.microsoft.com/office/drawing/2014/main" id="{AD6B0403-04E6-544E-B0CB-666C31171A9C}"/>
+              </a:ext>
+            </a:extLst>
+          </p:cNvPr>
+          <p:cNvSpPr txBox="1"/>
+          <p:nvPr/>
+        </p:nvSpPr>
+        <p:spPr>
+          <a:xfrm>
+            <a:off x="1219385" y="5970686"/>
+            <a:ext cx="3074496" cy="461665"/>
+          </a:xfrm>
+          <a:prstGeom prst="rect">
+            <a:avLst/>
+          </a:prstGeom>
+          <a:noFill/>
+        </p:spPr>
+        <p:txBody>
+          <a:bodyPr wrap="none" rtlCol="0">
+            <a:spAutoFit/>
+          </a:bodyPr>
+          <a:lstStyle/>
+          <a:p>
+            <a:r>
+              <a:rPr lang="en-US" sz="2400" b="1" dirty="0"/>
+              <a:t>`</a:t>
+            </a:r>
+            <a:r>
+              <a:rPr lang="en-US" sz="2400" b="1" dirty="0" err="1"/>
+              <a:t>chmod</a:t>
+            </a:r>
+            <a:r>
+              <a:rPr lang="en-US" sz="2400" b="1" dirty="0"/>
+              <a:t> 777 </a:t>
+            </a:r>
+            <a:r>
+              <a:rPr lang="en-US" sz="2400" b="1" dirty="0" err="1"/>
+              <a:t>myfile.txt</a:t>
+            </a:r>
+            <a:r>
+              <a:rPr lang="en-US" sz="2400" b="1" dirty="0"/>
+              <a:t>`</a:t>
             </a:r>
           </a:p>
         </p:txBody>
@@ -7006,13 +7242,164 @@
     </p:spTree>
     <p:extLst>
       <p:ext uri="{BB962C8B-B14F-4D97-AF65-F5344CB8AC3E}">
-        <p14:creationId xmlns:p14="http://schemas.microsoft.com/office/powerpoint/2010/main" val="4148206764"/>
+        <p14:creationId xmlns:p14="http://schemas.microsoft.com/office/powerpoint/2010/main" val="2006779799"/>
       </p:ext>
     </p:extLst>
   </p:cSld>
   <p:clrMapOvr>
     <a:masterClrMapping/>
   </p:clrMapOvr>
+  <p:timing>
+    <p:tnLst>
+      <p:par>
+        <p:cTn id="1" dur="indefinite" restart="never" nodeType="tmRoot">
+          <p:childTnLst>
+            <p:seq concurrent="1" nextAc="seek">
+              <p:cTn id="2" dur="indefinite" nodeType="mainSeq">
+                <p:childTnLst>
+                  <p:par>
+                    <p:cTn id="3" fill="hold">
+                      <p:stCondLst>
+                        <p:cond delay="indefinite"/>
+                      </p:stCondLst>
+                      <p:childTnLst>
+                        <p:par>
+                          <p:cTn id="4" fill="hold">
+                            <p:stCondLst>
+                              <p:cond delay="0"/>
+                            </p:stCondLst>
+                            <p:childTnLst>
+                              <p:par>
+                                <p:cTn id="5" presetID="1" presetClass="entr" presetSubtype="0" fill="hold" nodeType="clickEffect">
+                                  <p:stCondLst>
+                                    <p:cond delay="0"/>
+                                  </p:stCondLst>
+                                  <p:childTnLst>
+                                    <p:set>
+                                      <p:cBhvr>
+                                        <p:cTn id="6" dur="1" fill="hold">
+                                          <p:stCondLst>
+                                            <p:cond delay="0"/>
+                                          </p:stCondLst>
+                                        </p:cTn>
+                                        <p:tgtEl>
+                                          <p:spTgt spid="6"/>
+                                        </p:tgtEl>
+                                        <p:attrNameLst>
+                                          <p:attrName>style.visibility</p:attrName>
+                                        </p:attrNameLst>
+                                      </p:cBhvr>
+                                      <p:to>
+                                        <p:strVal val="visible"/>
+                                      </p:to>
+                                    </p:set>
+                                  </p:childTnLst>
+                                </p:cTn>
+                              </p:par>
+                              <p:par>
+                                <p:cTn id="7" presetID="1" presetClass="entr" presetSubtype="0" fill="hold" grpId="0" nodeType="withEffect">
+                                  <p:stCondLst>
+                                    <p:cond delay="0"/>
+                                  </p:stCondLst>
+                                  <p:childTnLst>
+                                    <p:set>
+                                      <p:cBhvr>
+                                        <p:cTn id="8" dur="1" fill="hold">
+                                          <p:stCondLst>
+                                            <p:cond delay="0"/>
+                                          </p:stCondLst>
+                                        </p:cTn>
+                                        <p:tgtEl>
+                                          <p:spTgt spid="7"/>
+                                        </p:tgtEl>
+                                        <p:attrNameLst>
+                                          <p:attrName>style.visibility</p:attrName>
+                                        </p:attrNameLst>
+                                      </p:cBhvr>
+                                      <p:to>
+                                        <p:strVal val="visible"/>
+                                      </p:to>
+                                    </p:set>
+                                  </p:childTnLst>
+                                </p:cTn>
+                              </p:par>
+                            </p:childTnLst>
+                          </p:cTn>
+                        </p:par>
+                      </p:childTnLst>
+                    </p:cTn>
+                  </p:par>
+                  <p:par>
+                    <p:cTn id="9" fill="hold">
+                      <p:stCondLst>
+                        <p:cond delay="indefinite"/>
+                      </p:stCondLst>
+                      <p:childTnLst>
+                        <p:par>
+                          <p:cTn id="10" fill="hold">
+                            <p:stCondLst>
+                              <p:cond delay="0"/>
+                            </p:stCondLst>
+                            <p:childTnLst>
+                              <p:par>
+                                <p:cTn id="11" presetID="1" presetClass="entr" presetSubtype="0" fill="hold" grpId="0" nodeType="clickEffect">
+                                  <p:stCondLst>
+                                    <p:cond delay="0"/>
+                                  </p:stCondLst>
+                                  <p:childTnLst>
+                                    <p:set>
+                                      <p:cBhvr>
+                                        <p:cTn id="12" dur="1" fill="hold">
+                                          <p:stCondLst>
+                                            <p:cond delay="0"/>
+                                          </p:stCondLst>
+                                        </p:cTn>
+                                        <p:tgtEl>
+                                          <p:spTgt spid="20"/>
+                                        </p:tgtEl>
+                                        <p:attrNameLst>
+                                          <p:attrName>style.visibility</p:attrName>
+                                        </p:attrNameLst>
+                                      </p:cBhvr>
+                                      <p:to>
+                                        <p:strVal val="visible"/>
+                                      </p:to>
+                                    </p:set>
+                                  </p:childTnLst>
+                                </p:cTn>
+                              </p:par>
+                            </p:childTnLst>
+                          </p:cTn>
+                        </p:par>
+                      </p:childTnLst>
+                    </p:cTn>
+                  </p:par>
+                </p:childTnLst>
+              </p:cTn>
+              <p:prevCondLst>
+                <p:cond evt="onPrev" delay="0">
+                  <p:tgtEl>
+                    <p:sldTgt/>
+                  </p:tgtEl>
+                </p:cond>
+              </p:prevCondLst>
+              <p:nextCondLst>
+                <p:cond evt="onNext" delay="0">
+                  <p:tgtEl>
+                    <p:sldTgt/>
+                  </p:tgtEl>
+                </p:cond>
+              </p:nextCondLst>
+            </p:seq>
+          </p:childTnLst>
+        </p:cTn>
+      </p:par>
+    </p:tnLst>
+    <p:bldLst>
+      <p:bldP spid="7" grpId="0"/>
+      <p:bldP spid="20" grpId="0"/>
+    </p:bldLst>
+  </p:timing>
 </p:sld>
 </file>
 

--- a/files/slides.pptx
+++ b/files/slides.pptx
@@ -14,6 +14,7 @@
     <p:sldId id="261" r:id="rId8"/>
     <p:sldId id="264" r:id="rId9"/>
     <p:sldId id="263" r:id="rId10"/>
+    <p:sldId id="265" r:id="rId11"/>
   </p:sldIdLst>
   <p:sldSz cx="12192000" cy="6858000"/>
   <p:notesSz cx="6858000" cy="9144000"/>
@@ -5733,6 +5734,377 @@
 </p:sld>
 </file>
 
+<file path=ppt/slides/slide10.xml><?xml version="1.0" encoding="utf-8"?>
+<p:sld xmlns:a="http://schemas.openxmlformats.org/drawingml/2006/main" xmlns:r="http://schemas.openxmlformats.org/officeDocument/2006/relationships" xmlns:p="http://schemas.openxmlformats.org/presentationml/2006/main">
+  <p:cSld>
+    <p:bg>
+      <p:bgPr>
+        <a:solidFill>
+          <a:schemeClr val="bg1"/>
+        </a:solidFill>
+        <a:effectLst/>
+      </p:bgPr>
+    </p:bg>
+    <p:spTree>
+      <p:nvGrpSpPr>
+        <p:cNvPr id="1" name=""/>
+        <p:cNvGrpSpPr/>
+        <p:nvPr/>
+      </p:nvGrpSpPr>
+      <p:grpSpPr>
+        <a:xfrm>
+          <a:off x="0" y="0"/>
+          <a:ext cx="0" cy="0"/>
+          <a:chOff x="0" y="0"/>
+          <a:chExt cx="0" cy="0"/>
+        </a:xfrm>
+      </p:grpSpPr>
+      <p:sp>
+        <p:nvSpPr>
+          <p:cNvPr id="10" name="Freeform: Shape 9">
+            <a:extLst>
+              <a:ext uri="{FF2B5EF4-FFF2-40B4-BE49-F238E27FC236}">
+                <a16:creationId xmlns:a16="http://schemas.microsoft.com/office/drawing/2014/main" id="{B670DBD5-770C-4383-9F54-5B86E86BD5BB}"/>
+              </a:ext>
+              <a:ext uri="{C183D7F6-B498-43B3-948B-1728B52AA6E4}">
+                <adec:decorative xmlns:adec="http://schemas.microsoft.com/office/drawing/2017/decorative" val="1"/>
+              </a:ext>
+            </a:extLst>
+          </p:cNvPr>
+          <p:cNvSpPr>
+            <a:spLocks noGrp="1" noRot="1" noChangeAspect="1" noMove="1" noResize="1" noEditPoints="1" noAdjustHandles="1" noChangeArrowheads="1" noChangeShapeType="1" noTextEdit="1"/>
+          </p:cNvSpPr>
+          <p:nvPr>
+            <p:extLst>
+              <p:ext uri="{386F3935-93C4-4BCD-93E2-E3B085C9AB24}">
+                <p16:designElem xmlns:p16="http://schemas.microsoft.com/office/powerpoint/2015/main" val="1"/>
+              </p:ext>
+            </p:extLst>
+          </p:nvPr>
+        </p:nvSpPr>
+        <p:spPr>
+          <a:xfrm>
+            <a:off x="1210277" y="0"/>
+            <a:ext cx="9771446" cy="6858000"/>
+          </a:xfrm>
+          <a:custGeom>
+            <a:avLst/>
+            <a:gdLst>
+              <a:gd name="connsiteX0" fmla="*/ 1422188 w 9771446"/>
+              <a:gd name="connsiteY0" fmla="*/ 0 h 6858000"/>
+              <a:gd name="connsiteX1" fmla="*/ 8349258 w 9771446"/>
+              <a:gd name="connsiteY1" fmla="*/ 0 h 6858000"/>
+              <a:gd name="connsiteX2" fmla="*/ 8502224 w 9771446"/>
+              <a:gd name="connsiteY2" fmla="*/ 159673 h 6858000"/>
+              <a:gd name="connsiteX3" fmla="*/ 9771446 w 9771446"/>
+              <a:gd name="connsiteY3" fmla="*/ 3429001 h 6858000"/>
+              <a:gd name="connsiteX4" fmla="*/ 8502224 w 9771446"/>
+              <a:gd name="connsiteY4" fmla="*/ 6698330 h 6858000"/>
+              <a:gd name="connsiteX5" fmla="*/ 8349260 w 9771446"/>
+              <a:gd name="connsiteY5" fmla="*/ 6858000 h 6858000"/>
+              <a:gd name="connsiteX6" fmla="*/ 1422186 w 9771446"/>
+              <a:gd name="connsiteY6" fmla="*/ 6858000 h 6858000"/>
+              <a:gd name="connsiteX7" fmla="*/ 1269223 w 9771446"/>
+              <a:gd name="connsiteY7" fmla="*/ 6698330 h 6858000"/>
+              <a:gd name="connsiteX8" fmla="*/ 0 w 9771446"/>
+              <a:gd name="connsiteY8" fmla="*/ 3429001 h 6858000"/>
+              <a:gd name="connsiteX9" fmla="*/ 1269223 w 9771446"/>
+              <a:gd name="connsiteY9" fmla="*/ 159673 h 6858000"/>
+            </a:gdLst>
+            <a:ahLst/>
+            <a:cxnLst>
+              <a:cxn ang="0">
+                <a:pos x="connsiteX0" y="connsiteY0"/>
+              </a:cxn>
+              <a:cxn ang="0">
+                <a:pos x="connsiteX1" y="connsiteY1"/>
+              </a:cxn>
+              <a:cxn ang="0">
+                <a:pos x="connsiteX2" y="connsiteY2"/>
+              </a:cxn>
+              <a:cxn ang="0">
+                <a:pos x="connsiteX3" y="connsiteY3"/>
+              </a:cxn>
+              <a:cxn ang="0">
+                <a:pos x="connsiteX4" y="connsiteY4"/>
+              </a:cxn>
+              <a:cxn ang="0">
+                <a:pos x="connsiteX5" y="connsiteY5"/>
+              </a:cxn>
+              <a:cxn ang="0">
+                <a:pos x="connsiteX6" y="connsiteY6"/>
+              </a:cxn>
+              <a:cxn ang="0">
+                <a:pos x="connsiteX7" y="connsiteY7"/>
+              </a:cxn>
+              <a:cxn ang="0">
+                <a:pos x="connsiteX8" y="connsiteY8"/>
+              </a:cxn>
+              <a:cxn ang="0">
+                <a:pos x="connsiteX9" y="connsiteY9"/>
+              </a:cxn>
+            </a:cxnLst>
+            <a:rect l="l" t="t" r="r" b="b"/>
+            <a:pathLst>
+              <a:path w="9771446" h="6858000">
+                <a:moveTo>
+                  <a:pt x="1422188" y="0"/>
+                </a:moveTo>
+                <a:lnTo>
+                  <a:pt x="8349258" y="0"/>
+                </a:lnTo>
+                <a:lnTo>
+                  <a:pt x="8502224" y="159673"/>
+                </a:lnTo>
+                <a:cubicBezTo>
+                  <a:pt x="9290813" y="1023162"/>
+                  <a:pt x="9771446" y="2170221"/>
+                  <a:pt x="9771446" y="3429001"/>
+                </a:cubicBezTo>
+                <a:cubicBezTo>
+                  <a:pt x="9771446" y="4687781"/>
+                  <a:pt x="9290813" y="5834840"/>
+                  <a:pt x="8502224" y="6698330"/>
+                </a:cubicBezTo>
+                <a:lnTo>
+                  <a:pt x="8349260" y="6858000"/>
+                </a:lnTo>
+                <a:lnTo>
+                  <a:pt x="1422186" y="6858000"/>
+                </a:lnTo>
+                <a:lnTo>
+                  <a:pt x="1269223" y="6698330"/>
+                </a:lnTo>
+                <a:cubicBezTo>
+                  <a:pt x="480633" y="5834840"/>
+                  <a:pt x="0" y="4687781"/>
+                  <a:pt x="0" y="3429001"/>
+                </a:cubicBezTo>
+                <a:cubicBezTo>
+                  <a:pt x="0" y="2170221"/>
+                  <a:pt x="480633" y="1023162"/>
+                  <a:pt x="1269223" y="159673"/>
+                </a:cubicBezTo>
+                <a:close/>
+              </a:path>
+            </a:pathLst>
+          </a:custGeom>
+          <a:solidFill>
+            <a:schemeClr val="bg1">
+              <a:lumMod val="85000"/>
+              <a:alpha val="62000"/>
+            </a:schemeClr>
+          </a:solidFill>
+          <a:ln>
+            <a:noFill/>
+          </a:ln>
+        </p:spPr>
+        <p:style>
+          <a:lnRef idx="2">
+            <a:schemeClr val="accent1">
+              <a:shade val="50000"/>
+            </a:schemeClr>
+          </a:lnRef>
+          <a:fillRef idx="1">
+            <a:schemeClr val="accent1"/>
+          </a:fillRef>
+          <a:effectRef idx="0">
+            <a:schemeClr val="accent1"/>
+          </a:effectRef>
+          <a:fontRef idx="minor">
+            <a:schemeClr val="lt1"/>
+          </a:fontRef>
+        </p:style>
+        <p:txBody>
+          <a:bodyPr wrap="square" rtlCol="0" anchor="ctr">
+            <a:noAutofit/>
+          </a:bodyPr>
+          <a:lstStyle/>
+          <a:p>
+            <a:pPr algn="ctr"/>
+            <a:endParaRPr lang="en-US"/>
+          </a:p>
+        </p:txBody>
+      </p:sp>
+      <p:pic>
+        <p:nvPicPr>
+          <p:cNvPr id="5" name="Picture 4" descr="A person wearing glasses and smiling at the camera&#10;&#10;Description automatically generated">
+            <a:extLst>
+              <a:ext uri="{FF2B5EF4-FFF2-40B4-BE49-F238E27FC236}">
+                <a16:creationId xmlns:a16="http://schemas.microsoft.com/office/drawing/2014/main" id="{3FDC4728-37C5-7747-98DB-23C3776512BD}"/>
+              </a:ext>
+            </a:extLst>
+          </p:cNvPr>
+          <p:cNvPicPr>
+            <a:picLocks noChangeAspect="1"/>
+          </p:cNvPicPr>
+          <p:nvPr/>
+        </p:nvPicPr>
+        <p:blipFill rotWithShape="1">
+          <a:blip r:embed="rId2"/>
+          <a:srcRect t="1735" b="5797"/>
+          <a:stretch/>
+        </p:blipFill>
+        <p:spPr>
+          <a:xfrm>
+            <a:off x="4325432" y="809479"/>
+            <a:ext cx="3541135" cy="2619521"/>
+          </a:xfrm>
+          <a:custGeom>
+            <a:avLst/>
+            <a:gdLst/>
+            <a:ahLst/>
+            <a:cxnLst/>
+            <a:rect l="l" t="t" r="r" b="b"/>
+            <a:pathLst>
+              <a:path w="9270806" h="6858000">
+                <a:moveTo>
+                  <a:pt x="1503712" y="0"/>
+                </a:moveTo>
+                <a:lnTo>
+                  <a:pt x="7767094" y="0"/>
+                </a:lnTo>
+                <a:lnTo>
+                  <a:pt x="7913128" y="139721"/>
+                </a:lnTo>
+                <a:cubicBezTo>
+                  <a:pt x="8751971" y="981521"/>
+                  <a:pt x="9270806" y="2144457"/>
+                  <a:pt x="9270806" y="3429000"/>
+                </a:cubicBezTo>
+                <a:cubicBezTo>
+                  <a:pt x="9270806" y="4713544"/>
+                  <a:pt x="8751971" y="5876479"/>
+                  <a:pt x="7913128" y="6718279"/>
+                </a:cubicBezTo>
+                <a:lnTo>
+                  <a:pt x="7767094" y="6858000"/>
+                </a:lnTo>
+                <a:lnTo>
+                  <a:pt x="1503712" y="6858000"/>
+                </a:lnTo>
+                <a:lnTo>
+                  <a:pt x="1357679" y="6718279"/>
+                </a:lnTo>
+                <a:cubicBezTo>
+                  <a:pt x="518835" y="5876479"/>
+                  <a:pt x="0" y="4713544"/>
+                  <a:pt x="0" y="3429000"/>
+                </a:cubicBezTo>
+                <a:cubicBezTo>
+                  <a:pt x="0" y="2144457"/>
+                  <a:pt x="518835" y="981521"/>
+                  <a:pt x="1357679" y="139721"/>
+                </a:cubicBezTo>
+                <a:close/>
+              </a:path>
+            </a:pathLst>
+          </a:custGeom>
+        </p:spPr>
+      </p:pic>
+      <p:sp>
+        <p:nvSpPr>
+          <p:cNvPr id="6" name="TextBox 5">
+            <a:extLst>
+              <a:ext uri="{FF2B5EF4-FFF2-40B4-BE49-F238E27FC236}">
+                <a16:creationId xmlns:a16="http://schemas.microsoft.com/office/drawing/2014/main" id="{7AC549A9-E92A-4346-98B8-F827F6B699BC}"/>
+              </a:ext>
+            </a:extLst>
+          </p:cNvPr>
+          <p:cNvSpPr txBox="1"/>
+          <p:nvPr/>
+        </p:nvSpPr>
+        <p:spPr>
+          <a:xfrm>
+            <a:off x="3034802" y="4064662"/>
+            <a:ext cx="6918882" cy="1754326"/>
+          </a:xfrm>
+          <a:prstGeom prst="rect">
+            <a:avLst/>
+          </a:prstGeom>
+          <a:noFill/>
+        </p:spPr>
+        <p:txBody>
+          <a:bodyPr wrap="none" rtlCol="0">
+            <a:spAutoFit/>
+          </a:bodyPr>
+          <a:lstStyle/>
+          <a:p>
+            <a:r>
+              <a:rPr lang="en-US" sz="3600" dirty="0">
+                <a:latin typeface="Helvetica Neue" panose="02000503000000020004" pitchFamily="2" charset="0"/>
+                <a:ea typeface="Helvetica Neue" panose="02000503000000020004" pitchFamily="2" charset="0"/>
+                <a:cs typeface="Helvetica Neue" panose="02000503000000020004" pitchFamily="2" charset="0"/>
+              </a:rPr>
+              <a:t>Rashedul Islam (Rony)</a:t>
+            </a:r>
+          </a:p>
+          <a:p>
+            <a:r>
+              <a:rPr lang="en-US" sz="3600" dirty="0">
+                <a:latin typeface="Helvetica Neue" panose="02000503000000020004" pitchFamily="2" charset="0"/>
+                <a:ea typeface="Helvetica Neue" panose="02000503000000020004" pitchFamily="2" charset="0"/>
+                <a:cs typeface="Helvetica Neue" panose="02000503000000020004" pitchFamily="2" charset="0"/>
+              </a:rPr>
+              <a:t>Email: </a:t>
+            </a:r>
+            <a:r>
+              <a:rPr lang="en-US" sz="3600" dirty="0">
+                <a:latin typeface="Helvetica Neue" panose="02000503000000020004" pitchFamily="2" charset="0"/>
+                <a:ea typeface="Helvetica Neue" panose="02000503000000020004" pitchFamily="2" charset="0"/>
+                <a:cs typeface="Helvetica Neue" panose="02000503000000020004" pitchFamily="2" charset="0"/>
+                <a:hlinkClick r:id="rId3"/>
+              </a:rPr>
+              <a:t>rashedul.gen@gmail.com</a:t>
+            </a:r>
+            <a:endParaRPr lang="en-US" sz="3600" dirty="0">
+              <a:latin typeface="Helvetica Neue" panose="02000503000000020004" pitchFamily="2" charset="0"/>
+              <a:ea typeface="Helvetica Neue" panose="02000503000000020004" pitchFamily="2" charset="0"/>
+              <a:cs typeface="Helvetica Neue" panose="02000503000000020004" pitchFamily="2" charset="0"/>
+            </a:endParaRPr>
+          </a:p>
+          <a:p>
+            <a:r>
+              <a:rPr lang="en-US" sz="3600" dirty="0">
+                <a:latin typeface="Helvetica Neue" panose="02000503000000020004" pitchFamily="2" charset="0"/>
+                <a:ea typeface="Helvetica Neue" panose="02000503000000020004" pitchFamily="2" charset="0"/>
+                <a:cs typeface="Helvetica Neue" panose="02000503000000020004" pitchFamily="2" charset="0"/>
+              </a:rPr>
+              <a:t>Website: </a:t>
+            </a:r>
+            <a:r>
+              <a:rPr lang="en-US" sz="3600" dirty="0">
+                <a:latin typeface="Helvetica Neue" panose="02000503000000020004" pitchFamily="2" charset="0"/>
+                <a:ea typeface="Helvetica Neue" panose="02000503000000020004" pitchFamily="2" charset="0"/>
+                <a:cs typeface="Helvetica Neue" panose="02000503000000020004" pitchFamily="2" charset="0"/>
+                <a:hlinkClick r:id="rId4"/>
+              </a:rPr>
+              <a:t>www.rashedul.net</a:t>
+            </a:r>
+            <a:r>
+              <a:rPr lang="en-US" sz="3600" dirty="0">
+                <a:latin typeface="Helvetica Neue" panose="02000503000000020004" pitchFamily="2" charset="0"/>
+                <a:ea typeface="Helvetica Neue" panose="02000503000000020004" pitchFamily="2" charset="0"/>
+                <a:cs typeface="Helvetica Neue" panose="02000503000000020004" pitchFamily="2" charset="0"/>
+              </a:rPr>
+              <a:t> </a:t>
+            </a:r>
+          </a:p>
+        </p:txBody>
+      </p:sp>
+    </p:spTree>
+    <p:extLst>
+      <p:ext uri="{BB962C8B-B14F-4D97-AF65-F5344CB8AC3E}">
+        <p14:creationId xmlns:p14="http://schemas.microsoft.com/office/powerpoint/2010/main" val="2382103098"/>
+      </p:ext>
+    </p:extLst>
+  </p:cSld>
+  <p:clrMapOvr>
+    <a:masterClrMapping/>
+  </p:clrMapOvr>
+</p:sld>
+</file>
+
 <file path=ppt/slides/slide2.xml><?xml version="1.0" encoding="utf-8"?>
 <p:sld xmlns:a="http://schemas.openxmlformats.org/drawingml/2006/main" xmlns:r="http://schemas.openxmlformats.org/officeDocument/2006/relationships" xmlns:p="http://schemas.openxmlformats.org/presentationml/2006/main">
   <p:cSld>
